--- a/doc/Presentaties/DigilenderSprint1.pptx
+++ b/doc/Presentaties/DigilenderSprint1.pptx
@@ -9,11 +9,9 @@
     <p:sldId id="257" r:id="rId3"/>
     <p:sldId id="261" r:id="rId4"/>
     <p:sldId id="262" r:id="rId5"/>
-    <p:sldId id="263" r:id="rId6"/>
+    <p:sldId id="265" r:id="rId6"/>
     <p:sldId id="259" r:id="rId7"/>
-    <p:sldId id="258" r:id="rId8"/>
-    <p:sldId id="260" r:id="rId9"/>
-    <p:sldId id="264" r:id="rId10"/>
+    <p:sldId id="266" r:id="rId8"/>
   </p:sldIdLst>
   <p:sldSz cx="12192000" cy="6858000"/>
   <p:notesSz cx="6858000" cy="9144000"/>
@@ -215,7 +213,7 @@
           <a:effectLst/>
           <a:extLst>
             <a:ext uri="{91240B29-F687-4f45-9708-019B960494DF}">
-              <a14:hiddenLine xmlns="" xmlns:a14="http://schemas.microsoft.com/office/drawing/2010/main" w="9525">
+              <a14:hiddenLine xmlns:a14="http://schemas.microsoft.com/office/drawing/2010/main" xmlns="" w="9525">
                 <a:solidFill>
                   <a:srgbClr val="000000"/>
                 </a:solidFill>
@@ -1748,7 +1746,7 @@
           <a:ln/>
           <a:extLst>
             <a:ext uri="{91240B29-F687-4f45-9708-019B960494DF}">
-              <a14:hiddenLine xmlns="" xmlns:a14="http://schemas.microsoft.com/office/drawing/2010/main" w="9525">
+              <a14:hiddenLine xmlns:a14="http://schemas.microsoft.com/office/drawing/2010/main" xmlns="" w="9525">
                 <a:solidFill>
                   <a:srgbClr val="000000"/>
                 </a:solidFill>
@@ -2025,7 +2023,7 @@
           <a:ln/>
           <a:extLst>
             <a:ext uri="{91240B29-F687-4f45-9708-019B960494DF}">
-              <a14:hiddenLine xmlns="" xmlns:a14="http://schemas.microsoft.com/office/drawing/2010/main" w="9525">
+              <a14:hiddenLine xmlns:a14="http://schemas.microsoft.com/office/drawing/2010/main" xmlns="" w="9525">
                 <a:solidFill>
                   <a:srgbClr val="000000"/>
                 </a:solidFill>
@@ -2310,7 +2308,7 @@
           <a:ln/>
           <a:extLst>
             <a:ext uri="{91240B29-F687-4f45-9708-019B960494DF}">
-              <a14:hiddenLine xmlns="" xmlns:a14="http://schemas.microsoft.com/office/drawing/2010/main" w="9525">
+              <a14:hiddenLine xmlns:a14="http://schemas.microsoft.com/office/drawing/2010/main" xmlns="" w="9525">
                 <a:solidFill>
                   <a:srgbClr val="000000"/>
                 </a:solidFill>
@@ -2940,7 +2938,7 @@
           <a:ln/>
           <a:extLst>
             <a:ext uri="{91240B29-F687-4f45-9708-019B960494DF}">
-              <a14:hiddenLine xmlns="" xmlns:a14="http://schemas.microsoft.com/office/drawing/2010/main" w="9525">
+              <a14:hiddenLine xmlns:a14="http://schemas.microsoft.com/office/drawing/2010/main" xmlns="" w="9525">
                 <a:solidFill>
                   <a:srgbClr val="000000"/>
                 </a:solidFill>
@@ -3281,7 +3279,7 @@
           <a:ln/>
           <a:extLst>
             <a:ext uri="{91240B29-F687-4f45-9708-019B960494DF}">
-              <a14:hiddenLine xmlns="" xmlns:a14="http://schemas.microsoft.com/office/drawing/2010/main" w="9525">
+              <a14:hiddenLine xmlns:a14="http://schemas.microsoft.com/office/drawing/2010/main" xmlns="" w="9525">
                 <a:solidFill>
                   <a:srgbClr val="000000"/>
                 </a:solidFill>
@@ -3760,7 +3758,7 @@
           <a:ln/>
           <a:extLst>
             <a:ext uri="{91240B29-F687-4f45-9708-019B960494DF}">
-              <a14:hiddenLine xmlns="" xmlns:a14="http://schemas.microsoft.com/office/drawing/2010/main" w="9525">
+              <a14:hiddenLine xmlns:a14="http://schemas.microsoft.com/office/drawing/2010/main" xmlns="" w="9525">
                 <a:solidFill>
                   <a:srgbClr val="000000"/>
                 </a:solidFill>
@@ -4193,7 +4191,7 @@
           <a:ln/>
           <a:extLst>
             <a:ext uri="{91240B29-F687-4f45-9708-019B960494DF}">
-              <a14:hiddenLine xmlns="" xmlns:a14="http://schemas.microsoft.com/office/drawing/2010/main" w="9525">
+              <a14:hiddenLine xmlns:a14="http://schemas.microsoft.com/office/drawing/2010/main" xmlns="" w="9525">
                 <a:solidFill>
                   <a:srgbClr val="000000"/>
                 </a:solidFill>
@@ -5418,6 +5416,18 @@
 <file path=ppt/slides/slide1.xml><?xml version="1.0" encoding="utf-8"?>
 <p:sld xmlns:a="http://schemas.openxmlformats.org/drawingml/2006/main" xmlns:r="http://schemas.openxmlformats.org/officeDocument/2006/relationships" xmlns:p="http://schemas.openxmlformats.org/presentationml/2006/main">
   <p:cSld>
+    <p:bg>
+      <p:bgPr>
+        <a:blipFill dpi="0" rotWithShape="1">
+          <a:blip r:embed="rId2">
+            <a:lum/>
+          </a:blip>
+          <a:srcRect/>
+          <a:tile tx="0" ty="0" sx="100000" sy="100000" flip="none" algn="tl"/>
+        </a:blipFill>
+        <a:effectLst/>
+      </p:bgPr>
+    </p:bg>
     <p:spTree>
       <p:nvGrpSpPr>
         <p:cNvPr id="1" name=""/>
@@ -5480,40 +5490,72 @@
         <p:spPr/>
         <p:txBody>
           <a:bodyPr>
-            <a:normAutofit fontScale="92500"/>
+            <a:normAutofit fontScale="85000" lnSpcReduction="10000"/>
           </a:bodyPr>
           <a:lstStyle/>
           <a:p>
             <a:r>
-              <a:rPr lang="nl-BE" dirty="0" err="1"/>
+              <a:rPr lang="nl-BE" dirty="0" err="1">
+                <a:solidFill>
+                  <a:schemeClr val="bg1"/>
+                </a:solidFill>
+              </a:rPr>
               <a:t>Mirko</a:t>
             </a:r>
             <a:r>
-              <a:rPr lang="nl-BE" dirty="0"/>
-              <a:t> </a:t>
-            </a:r>
-            <a:r>
-              <a:rPr lang="nl-BE" dirty="0" err="1"/>
-              <a:t>messina</a:t>
-            </a:r>
-            <a:r>
-              <a:rPr lang="nl-BE" dirty="0"/>
-              <a:t>, </a:t>
-            </a:r>
-            <a:r>
-              <a:rPr lang="nl-BE" dirty="0" err="1"/>
+              <a:rPr lang="nl-BE" dirty="0">
+                <a:solidFill>
+                  <a:schemeClr val="bg1"/>
+                </a:solidFill>
+              </a:rPr>
+              <a:t> Messina, </a:t>
+            </a:r>
+            <a:r>
+              <a:rPr lang="nl-BE" dirty="0" err="1">
+                <a:solidFill>
+                  <a:schemeClr val="bg1"/>
+                </a:solidFill>
+              </a:rPr>
               <a:t>Jasmien</a:t>
             </a:r>
             <a:r>
-              <a:rPr lang="nl-BE" dirty="0"/>
-              <a:t> Declercq, Joeri temmerman, Mohammed la, Antoine </a:t>
-            </a:r>
-            <a:r>
-              <a:rPr lang="nl-BE" dirty="0" err="1"/>
+              <a:rPr lang="nl-BE" dirty="0">
+                <a:solidFill>
+                  <a:schemeClr val="bg1"/>
+                </a:solidFill>
+              </a:rPr>
+              <a:t> Declercq, Joeri Temmerman, Mohammed </a:t>
+            </a:r>
+            <a:r>
+              <a:rPr lang="nl-BE" dirty="0" err="1">
+                <a:solidFill>
+                  <a:schemeClr val="bg1"/>
+                </a:solidFill>
+              </a:rPr>
+              <a:t>Laghzaoui</a:t>
+            </a:r>
+            <a:r>
+              <a:rPr lang="nl-BE" dirty="0">
+                <a:solidFill>
+                  <a:schemeClr val="bg1"/>
+                </a:solidFill>
+              </a:rPr>
+              <a:t>, Antoine </a:t>
+            </a:r>
+            <a:r>
+              <a:rPr lang="nl-BE" dirty="0" err="1">
+                <a:solidFill>
+                  <a:schemeClr val="bg1"/>
+                </a:solidFill>
+              </a:rPr>
               <a:t>Mazure</a:t>
             </a:r>
             <a:r>
-              <a:rPr lang="nl-BE" dirty="0"/>
+              <a:rPr lang="nl-BE" dirty="0">
+                <a:solidFill>
+                  <a:schemeClr val="bg1"/>
+                </a:solidFill>
+              </a:rPr>
               <a:t>, Elke Renard</a:t>
             </a:r>
           </a:p>
@@ -5535,6 +5577,17 @@
 <file path=ppt/slides/slide2.xml><?xml version="1.0" encoding="utf-8"?>
 <p:sld xmlns:a="http://schemas.openxmlformats.org/drawingml/2006/main" xmlns:r="http://schemas.openxmlformats.org/officeDocument/2006/relationships" xmlns:p="http://schemas.openxmlformats.org/presentationml/2006/main">
   <p:cSld>
+    <p:bg>
+      <p:bgPr>
+        <a:solidFill>
+          <a:schemeClr val="bg2">
+            <a:lumMod val="60000"/>
+            <a:lumOff val="40000"/>
+          </a:schemeClr>
+        </a:solidFill>
+        <a:effectLst/>
+      </p:bgPr>
+    </p:bg>
     <p:spTree>
       <p:nvGrpSpPr>
         <p:cNvPr id="1" name=""/>
@@ -5551,6 +5604,219 @@
       </p:grpSpPr>
       <p:sp>
         <p:nvSpPr>
+          <p:cNvPr id="9" name="Freeform 6">
+            <a:extLst>
+              <a:ext uri="{FF2B5EF4-FFF2-40B4-BE49-F238E27FC236}">
+                <a16:creationId xmlns:a16="http://schemas.microsoft.com/office/drawing/2014/main" id="{E446B7E6-8568-417F-959E-DB3D1E70F648}"/>
+              </a:ext>
+              <a:ext uri="{C183D7F6-B498-43B3-948B-1728B52AA6E4}">
+                <adec:decorative xmlns:adec="http://schemas.microsoft.com/office/drawing/2017/decorative" val="1"/>
+              </a:ext>
+            </a:extLst>
+          </p:cNvPr>
+          <p:cNvSpPr>
+            <a:spLocks noGrp="1" noRot="1" noChangeAspect="1" noMove="1" noResize="1" noEditPoints="1" noAdjustHandles="1" noChangeArrowheads="1" noChangeShapeType="1" noTextEdit="1"/>
+          </p:cNvSpPr>
+          <p:nvPr>
+            <p:extLst>
+              <p:ext uri="{386F3935-93C4-4BCD-93E2-E3B085C9AB24}">
+                <p16:designElem xmlns:p16="http://schemas.microsoft.com/office/powerpoint/2015/main" val="1"/>
+              </p:ext>
+            </p:extLst>
+          </p:nvPr>
+        </p:nvSpPr>
+        <p:spPr bwMode="auto">
+          <a:xfrm>
+            <a:off x="0" y="-3175"/>
+            <a:ext cx="12192000" cy="5203825"/>
+          </a:xfrm>
+          <a:custGeom>
+            <a:avLst/>
+            <a:gdLst/>
+            <a:ahLst/>
+            <a:cxnLst/>
+            <a:rect l="0" t="0" r="r" b="b"/>
+            <a:pathLst>
+              <a:path w="5760" h="3278">
+                <a:moveTo>
+                  <a:pt x="5760" y="0"/>
+                </a:moveTo>
+                <a:lnTo>
+                  <a:pt x="0" y="0"/>
+                </a:lnTo>
+                <a:lnTo>
+                  <a:pt x="0" y="3090"/>
+                </a:lnTo>
+                <a:lnTo>
+                  <a:pt x="943" y="3090"/>
+                </a:lnTo>
+                <a:lnTo>
+                  <a:pt x="1123" y="3270"/>
+                </a:lnTo>
+                <a:lnTo>
+                  <a:pt x="1123" y="3270"/>
+                </a:lnTo>
+                <a:lnTo>
+                  <a:pt x="1127" y="3272"/>
+                </a:lnTo>
+                <a:lnTo>
+                  <a:pt x="1133" y="3275"/>
+                </a:lnTo>
+                <a:lnTo>
+                  <a:pt x="1139" y="3278"/>
+                </a:lnTo>
+                <a:lnTo>
+                  <a:pt x="1144" y="3278"/>
+                </a:lnTo>
+                <a:lnTo>
+                  <a:pt x="1150" y="3278"/>
+                </a:lnTo>
+                <a:lnTo>
+                  <a:pt x="1155" y="3275"/>
+                </a:lnTo>
+                <a:lnTo>
+                  <a:pt x="1161" y="3272"/>
+                </a:lnTo>
+                <a:lnTo>
+                  <a:pt x="1165" y="3270"/>
+                </a:lnTo>
+                <a:lnTo>
+                  <a:pt x="1345" y="3090"/>
+                </a:lnTo>
+                <a:lnTo>
+                  <a:pt x="5760" y="3090"/>
+                </a:lnTo>
+                <a:lnTo>
+                  <a:pt x="5760" y="0"/>
+                </a:lnTo>
+                <a:close/>
+              </a:path>
+            </a:pathLst>
+          </a:custGeom>
+          <a:ln/>
+          <a:effectLst/>
+          <a:extLst>
+            <a:ext uri="{91240B29-F687-4f45-9708-019B960494DF}">
+              <a14:hiddenLine xmlns="" xmlns:a16="http://schemas.microsoft.com/office/drawing/2014/main" xmlns:p14="http://schemas.microsoft.com/office/powerpoint/2010/main" xmlns:a14="http://schemas.microsoft.com/office/drawing/2010/main" w="9525">
+                <a:solidFill>
+                  <a:srgbClr val="000000"/>
+                </a:solidFill>
+                <a:round/>
+                <a:headEnd/>
+                <a:tailEnd/>
+              </a14:hiddenLine>
+            </a:ext>
+          </a:extLst>
+        </p:spPr>
+        <p:style>
+          <a:lnRef idx="1">
+            <a:schemeClr val="accent1"/>
+          </a:lnRef>
+          <a:fillRef idx="3">
+            <a:schemeClr val="accent1"/>
+          </a:fillRef>
+          <a:effectRef idx="2">
+            <a:schemeClr val="accent1"/>
+          </a:effectRef>
+          <a:fontRef idx="minor">
+            <a:schemeClr val="lt1"/>
+          </a:fontRef>
+        </p:style>
+      </p:sp>
+      <p:sp useBgFill="1">
+        <p:nvSpPr>
+          <p:cNvPr id="11" name="Rectangle 10">
+            <a:extLst>
+              <a:ext uri="{FF2B5EF4-FFF2-40B4-BE49-F238E27FC236}">
+                <a16:creationId xmlns:a16="http://schemas.microsoft.com/office/drawing/2014/main" id="{54047A07-72EC-41BC-A55F-C264F639FB20}"/>
+              </a:ext>
+              <a:ext uri="{C183D7F6-B498-43B3-948B-1728B52AA6E4}">
+                <adec:decorative xmlns:adec="http://schemas.microsoft.com/office/drawing/2017/decorative" val="1"/>
+              </a:ext>
+            </a:extLst>
+          </p:cNvPr>
+          <p:cNvSpPr>
+            <a:spLocks noGrp="1" noRot="1" noChangeAspect="1" noMove="1" noResize="1" noEditPoints="1" noAdjustHandles="1" noChangeArrowheads="1" noChangeShapeType="1" noTextEdit="1"/>
+          </p:cNvSpPr>
+          <p:nvPr>
+            <p:extLst>
+              <p:ext uri="{386F3935-93C4-4BCD-93E2-E3B085C9AB24}">
+                <p16:designElem xmlns:p16="http://schemas.microsoft.com/office/powerpoint/2015/main" val="1"/>
+              </p:ext>
+            </p:extLst>
+          </p:nvPr>
+        </p:nvSpPr>
+        <p:spPr>
+          <a:xfrm>
+            <a:off x="0" y="0"/>
+            <a:ext cx="12192000" cy="6858000"/>
+          </a:xfrm>
+          <a:prstGeom prst="rect">
+            <a:avLst/>
+          </a:prstGeom>
+          <a:ln>
+            <a:noFill/>
+          </a:ln>
+        </p:spPr>
+        <p:style>
+          <a:lnRef idx="2">
+            <a:schemeClr val="accent1">
+              <a:shade val="50000"/>
+            </a:schemeClr>
+          </a:lnRef>
+          <a:fillRef idx="1">
+            <a:schemeClr val="accent1"/>
+          </a:fillRef>
+          <a:effectRef idx="0">
+            <a:schemeClr val="accent1"/>
+          </a:effectRef>
+          <a:fontRef idx="minor">
+            <a:schemeClr val="lt1"/>
+          </a:fontRef>
+        </p:style>
+        <p:txBody>
+          <a:bodyPr rtlCol="0" anchor="ctr"/>
+          <a:lstStyle/>
+          <a:p>
+            <a:pPr algn="ctr"/>
+            <a:endParaRPr lang="en-US"/>
+          </a:p>
+        </p:txBody>
+      </p:sp>
+      <p:pic>
+        <p:nvPicPr>
+          <p:cNvPr id="4" name="Afbeelding 3">
+            <a:extLst>
+              <a:ext uri="{FF2B5EF4-FFF2-40B4-BE49-F238E27FC236}">
+                <a16:creationId xmlns:a16="http://schemas.microsoft.com/office/drawing/2014/main" id="{3A06405D-E35D-4844-A742-291B5595EA02}"/>
+              </a:ext>
+            </a:extLst>
+          </p:cNvPr>
+          <p:cNvPicPr>
+            <a:picLocks noChangeAspect="1"/>
+          </p:cNvPicPr>
+          <p:nvPr/>
+        </p:nvPicPr>
+        <p:blipFill rotWithShape="1">
+          <a:blip r:embed="rId2">
+            <a:alphaModFix amt="40000"/>
+            <a:extLst/>
+          </a:blip>
+          <a:srcRect t="4589" b="31671"/>
+          <a:stretch/>
+        </p:blipFill>
+        <p:spPr>
+          <a:xfrm>
+            <a:off x="20" y="10"/>
+            <a:ext cx="12191980" cy="6857990"/>
+          </a:xfrm>
+          <a:prstGeom prst="rect">
+            <a:avLst/>
+          </a:prstGeom>
+        </p:spPr>
+      </p:pic>
+      <p:sp>
+        <p:nvSpPr>
           <p:cNvPr id="2" name="Tekstvak 1">
             <a:extLst>
               <a:ext uri="{FF2B5EF4-FFF2-40B4-BE49-F238E27FC236}">
@@ -5563,22 +5829,36 @@
         </p:nvSpPr>
         <p:spPr>
           <a:xfrm>
-            <a:off x="4572000" y="2054087"/>
-            <a:ext cx="769763" cy="369332"/>
+            <a:off x="810001" y="1449147"/>
+            <a:ext cx="10572000" cy="3732453"/>
           </a:xfrm>
           <a:prstGeom prst="rect">
             <a:avLst/>
           </a:prstGeom>
-          <a:noFill/>
         </p:spPr>
         <p:txBody>
-          <a:bodyPr wrap="none" rtlCol="0">
-            <a:spAutoFit/>
+          <a:bodyPr vert="horz" lIns="91440" tIns="45720" rIns="91440" bIns="45720" rtlCol="0" anchor="b">
+            <a:normAutofit/>
           </a:bodyPr>
           <a:lstStyle/>
           <a:p>
-            <a:r>
-              <a:rPr lang="nl-BE" dirty="0"/>
+            <a:pPr>
+              <a:spcBef>
+                <a:spcPct val="0"/>
+              </a:spcBef>
+              <a:spcAft>
+                <a:spcPts val="600"/>
+              </a:spcAft>
+            </a:pPr>
+            <a:r>
+              <a:rPr lang="en-US" sz="5400" b="1" dirty="0">
+                <a:solidFill>
+                  <a:srgbClr val="FEFEFE"/>
+                </a:solidFill>
+                <a:latin typeface="+mj-lt"/>
+                <a:ea typeface="+mj-ea"/>
+                <a:cs typeface="+mj-cs"/>
+              </a:rPr>
               <a:t>Demo</a:t>
             </a:r>
           </a:p>
@@ -5600,6 +5880,17 @@
 <file path=ppt/slides/slide3.xml><?xml version="1.0" encoding="utf-8"?>
 <p:sld xmlns:a="http://schemas.openxmlformats.org/drawingml/2006/main" xmlns:r="http://schemas.openxmlformats.org/officeDocument/2006/relationships" xmlns:p="http://schemas.openxmlformats.org/presentationml/2006/main">
   <p:cSld>
+    <p:bg>
+      <p:bgPr>
+        <a:solidFill>
+          <a:schemeClr val="accent2">
+            <a:lumMod val="40000"/>
+            <a:lumOff val="60000"/>
+          </a:schemeClr>
+        </a:solidFill>
+        <a:effectLst/>
+      </p:bgPr>
+    </p:bg>
     <p:spTree>
       <p:nvGrpSpPr>
         <p:cNvPr id="1" name=""/>
@@ -5616,64 +5907,295 @@
       </p:grpSpPr>
       <p:sp>
         <p:nvSpPr>
-          <p:cNvPr id="2" name="Titel 1">
+          <p:cNvPr id="192" name="Freeform 6">
             <a:extLst>
               <a:ext uri="{FF2B5EF4-FFF2-40B4-BE49-F238E27FC236}">
-                <a16:creationId xmlns:a16="http://schemas.microsoft.com/office/drawing/2014/main" id="{B978BE63-576F-480E-918F-581E6EA62A51}"/>
+                <a16:creationId xmlns:a16="http://schemas.microsoft.com/office/drawing/2014/main" id="{1FCF5244-C62C-4E27-B395-14F26DFB1373}"/>
+              </a:ext>
+              <a:ext uri="{C183D7F6-B498-43B3-948B-1728B52AA6E4}">
+                <adec:decorative xmlns:adec="http://schemas.microsoft.com/office/drawing/2017/decorative" val="1"/>
               </a:ext>
             </a:extLst>
           </p:cNvPr>
           <p:cNvSpPr>
-            <a:spLocks noGrp="1"/>
-          </p:cNvSpPr>
-          <p:nvPr>
-            <p:ph type="title"/>
-          </p:nvPr>
-        </p:nvSpPr>
-        <p:spPr/>
-        <p:txBody>
-          <a:bodyPr/>
+            <a:spLocks noGrp="1" noRot="1" noChangeAspect="1" noMove="1" noResize="1" noEditPoints="1" noAdjustHandles="1" noChangeArrowheads="1" noChangeShapeType="1" noTextEdit="1"/>
+          </p:cNvSpPr>
+          <p:nvPr>
+            <p:extLst>
+              <p:ext uri="{386F3935-93C4-4BCD-93E2-E3B085C9AB24}">
+                <p16:designElem xmlns:p16="http://schemas.microsoft.com/office/powerpoint/2015/main" val="1"/>
+              </p:ext>
+            </p:extLst>
+          </p:nvPr>
+        </p:nvSpPr>
+        <p:spPr bwMode="auto">
+          <a:xfrm>
+            <a:off x="0" y="0"/>
+            <a:ext cx="12192000" cy="2185988"/>
+          </a:xfrm>
+          <a:custGeom>
+            <a:avLst/>
+            <a:gdLst/>
+            <a:ahLst/>
+            <a:cxnLst/>
+            <a:rect l="0" t="0" r="r" b="b"/>
+            <a:pathLst>
+              <a:path w="5760" h="1377">
+                <a:moveTo>
+                  <a:pt x="5760" y="0"/>
+                </a:moveTo>
+                <a:lnTo>
+                  <a:pt x="0" y="0"/>
+                </a:lnTo>
+                <a:lnTo>
+                  <a:pt x="0" y="1189"/>
+                </a:lnTo>
+                <a:lnTo>
+                  <a:pt x="943" y="1189"/>
+                </a:lnTo>
+                <a:lnTo>
+                  <a:pt x="1123" y="1369"/>
+                </a:lnTo>
+                <a:lnTo>
+                  <a:pt x="1123" y="1369"/>
+                </a:lnTo>
+                <a:lnTo>
+                  <a:pt x="1127" y="1371"/>
+                </a:lnTo>
+                <a:lnTo>
+                  <a:pt x="1133" y="1374"/>
+                </a:lnTo>
+                <a:lnTo>
+                  <a:pt x="1139" y="1377"/>
+                </a:lnTo>
+                <a:lnTo>
+                  <a:pt x="1144" y="1377"/>
+                </a:lnTo>
+                <a:lnTo>
+                  <a:pt x="1150" y="1377"/>
+                </a:lnTo>
+                <a:lnTo>
+                  <a:pt x="1155" y="1374"/>
+                </a:lnTo>
+                <a:lnTo>
+                  <a:pt x="1161" y="1371"/>
+                </a:lnTo>
+                <a:lnTo>
+                  <a:pt x="1165" y="1369"/>
+                </a:lnTo>
+                <a:lnTo>
+                  <a:pt x="1345" y="1189"/>
+                </a:lnTo>
+                <a:lnTo>
+                  <a:pt x="5760" y="1189"/>
+                </a:lnTo>
+                <a:lnTo>
+                  <a:pt x="5760" y="0"/>
+                </a:lnTo>
+                <a:close/>
+              </a:path>
+            </a:pathLst>
+          </a:custGeom>
+          <a:ln/>
+          <a:extLst>
+            <a:ext uri="{91240B29-F687-4f45-9708-019B960494DF}">
+              <a14:hiddenLine xmlns="" xmlns:a16="http://schemas.microsoft.com/office/drawing/2014/main" xmlns:a14="http://schemas.microsoft.com/office/drawing/2010/main" xmlns:p14="http://schemas.microsoft.com/office/powerpoint/2010/main" w="9525">
+                <a:solidFill>
+                  <a:srgbClr val="000000"/>
+                </a:solidFill>
+                <a:round/>
+                <a:headEnd/>
+                <a:tailEnd/>
+              </a14:hiddenLine>
+            </a:ext>
+          </a:extLst>
+        </p:spPr>
+        <p:style>
+          <a:lnRef idx="1">
+            <a:schemeClr val="accent1"/>
+          </a:lnRef>
+          <a:fillRef idx="3">
+            <a:schemeClr val="accent1"/>
+          </a:fillRef>
+          <a:effectRef idx="2">
+            <a:schemeClr val="accent1"/>
+          </a:effectRef>
+          <a:fontRef idx="minor">
+            <a:schemeClr val="lt1"/>
+          </a:fontRef>
+        </p:style>
+      </p:sp>
+      <p:sp useBgFill="1">
+        <p:nvSpPr>
+          <p:cNvPr id="193" name="Rectangle 192">
+            <a:extLst>
+              <a:ext uri="{FF2B5EF4-FFF2-40B4-BE49-F238E27FC236}">
+                <a16:creationId xmlns:a16="http://schemas.microsoft.com/office/drawing/2014/main" id="{2D1720A9-DCEB-48CC-A314-129E5A48E024}"/>
+              </a:ext>
+              <a:ext uri="{C183D7F6-B498-43B3-948B-1728B52AA6E4}">
+                <adec:decorative xmlns:adec="http://schemas.microsoft.com/office/drawing/2017/decorative" val="1"/>
+              </a:ext>
+            </a:extLst>
+          </p:cNvPr>
+          <p:cNvSpPr>
+            <a:spLocks noGrp="1" noRot="1" noChangeAspect="1" noMove="1" noResize="1" noEditPoints="1" noAdjustHandles="1" noChangeArrowheads="1" noChangeShapeType="1" noTextEdit="1"/>
+          </p:cNvSpPr>
+          <p:nvPr>
+            <p:extLst>
+              <p:ext uri="{386F3935-93C4-4BCD-93E2-E3B085C9AB24}">
+                <p16:designElem xmlns:p16="http://schemas.microsoft.com/office/powerpoint/2015/main" val="1"/>
+              </p:ext>
+            </p:extLst>
+          </p:nvPr>
+        </p:nvSpPr>
+        <p:spPr>
+          <a:xfrm>
+            <a:off x="0" y="0"/>
+            <a:ext cx="12192000" cy="6858000"/>
+          </a:xfrm>
+          <a:prstGeom prst="rect">
+            <a:avLst/>
+          </a:prstGeom>
+          <a:ln>
+            <a:noFill/>
+          </a:ln>
+        </p:spPr>
+        <p:style>
+          <a:lnRef idx="2">
+            <a:schemeClr val="accent1">
+              <a:shade val="50000"/>
+            </a:schemeClr>
+          </a:lnRef>
+          <a:fillRef idx="1">
+            <a:schemeClr val="accent1"/>
+          </a:fillRef>
+          <a:effectRef idx="0">
+            <a:schemeClr val="accent1"/>
+          </a:effectRef>
+          <a:fontRef idx="minor">
+            <a:schemeClr val="lt1"/>
+          </a:fontRef>
+        </p:style>
+        <p:txBody>
+          <a:bodyPr rtlCol="0" anchor="ctr"/>
           <a:lstStyle/>
           <a:p>
-            <a:r>
-              <a:rPr lang="nl-BE" dirty="0"/>
-              <a:t>User interviews</a:t>
-            </a:r>
+            <a:pPr algn="ctr"/>
+            <a:endParaRPr lang="en-US"/>
           </a:p>
         </p:txBody>
       </p:sp>
       <p:pic>
         <p:nvPicPr>
-          <p:cNvPr id="5" name="Tijdelijke aanduiding voor inhoud 4">
+          <p:cNvPr id="1034" name="Picture 10" descr="Diagram met antwoorden op het Formulier. Titel van de vraag: Deelt u uw digitale kalender(s) met andere leden van het gezin? . Aantal reacties: 8 reacties.">
             <a:extLst>
               <a:ext uri="{FF2B5EF4-FFF2-40B4-BE49-F238E27FC236}">
-                <a16:creationId xmlns:a16="http://schemas.microsoft.com/office/drawing/2014/main" id="{A2854ED3-527A-4FEC-BCC3-AF0963E089CA}"/>
+                <a16:creationId xmlns:a16="http://schemas.microsoft.com/office/drawing/2014/main" id="{EC897133-74FF-4C9D-8684-D241B21D8FEB}"/>
               </a:ext>
             </a:extLst>
           </p:cNvPr>
           <p:cNvPicPr>
-            <a:picLocks noGrp="1" noChangeAspect="1"/>
+            <a:picLocks noChangeAspect="1" noChangeArrowheads="1"/>
           </p:cNvPicPr>
-          <p:nvPr>
-            <p:ph idx="1"/>
-          </p:nvPr>
+          <p:nvPr/>
         </p:nvPicPr>
-        <p:blipFill>
-          <a:blip r:embed="rId2"/>
-          <a:stretch>
-            <a:fillRect/>
-          </a:stretch>
+        <p:blipFill rotWithShape="1">
+          <a:blip r:embed="rId2">
+            <a:extLst>
+              <a:ext uri="{28A0092B-C50C-407E-A947-70E740481C1C}">
+                <a14:useLocalDpi xmlns:a14="http://schemas.microsoft.com/office/drawing/2010/main" val="0"/>
+              </a:ext>
+            </a:extLst>
+          </a:blip>
+          <a:srcRect r="12488"/>
+          <a:stretch/>
         </p:blipFill>
+        <p:spPr bwMode="auto">
+          <a:xfrm>
+            <a:off x="829747" y="604852"/>
+            <a:ext cx="3461223" cy="1819365"/>
+          </a:xfrm>
+          <a:prstGeom prst="roundRect">
+            <a:avLst>
+              <a:gd name="adj" fmla="val 3876"/>
+            </a:avLst>
+          </a:prstGeom>
+          <a:noFill/>
+          <a:ln>
+            <a:noFill/>
+          </a:ln>
+          <a:effectLst/>
+          <a:extLst>
+            <a:ext uri="{909E8E84-426E-40DD-AFC4-6F175D3DCCD1}">
+              <a14:hiddenFill xmlns:a14="http://schemas.microsoft.com/office/drawing/2010/main">
+                <a:solidFill>
+                  <a:srgbClr val="FFFFFF"/>
+                </a:solidFill>
+              </a14:hiddenFill>
+            </a:ext>
+          </a:extLst>
+        </p:spPr>
+      </p:pic>
+      <p:sp>
+        <p:nvSpPr>
+          <p:cNvPr id="8" name="Rechthoek: afgeronde hoeken 7">
+            <a:extLst>
+              <a:ext uri="{FF2B5EF4-FFF2-40B4-BE49-F238E27FC236}">
+                <a16:creationId xmlns:a16="http://schemas.microsoft.com/office/drawing/2014/main" id="{4963936E-7A4F-4890-903F-4DC110383B46}"/>
+              </a:ext>
+            </a:extLst>
+          </p:cNvPr>
+          <p:cNvSpPr/>
+          <p:nvPr/>
+        </p:nvSpPr>
         <p:spPr>
           <a:xfrm>
-            <a:off x="2846916" y="620108"/>
-            <a:ext cx="3790950" cy="971550"/>
+            <a:off x="5486400" y="-292349"/>
+            <a:ext cx="7267198" cy="2185988"/>
           </a:xfrm>
-          <a:prstGeom prst="rect">
+          <a:prstGeom prst="roundRect">
             <a:avLst/>
           </a:prstGeom>
+          <a:pattFill prst="dkDnDiag">
+            <a:fgClr>
+              <a:schemeClr val="accent1"/>
+            </a:fgClr>
+            <a:bgClr>
+              <a:schemeClr val="accent2">
+                <a:lumMod val="60000"/>
+                <a:lumOff val="40000"/>
+              </a:schemeClr>
+            </a:bgClr>
+          </a:pattFill>
+          <a:ln>
+            <a:noFill/>
+          </a:ln>
         </p:spPr>
-      </p:pic>
+        <p:style>
+          <a:lnRef idx="2">
+            <a:schemeClr val="accent1">
+              <a:shade val="50000"/>
+            </a:schemeClr>
+          </a:lnRef>
+          <a:fillRef idx="1">
+            <a:schemeClr val="accent1"/>
+          </a:fillRef>
+          <a:effectRef idx="0">
+            <a:schemeClr val="accent1"/>
+          </a:effectRef>
+          <a:fontRef idx="minor">
+            <a:schemeClr val="lt1"/>
+          </a:fontRef>
+        </p:style>
+        <p:txBody>
+          <a:bodyPr rtlCol="0" anchor="ctr"/>
+          <a:lstStyle/>
+          <a:p>
+            <a:pPr algn="ctr"/>
+            <a:endParaRPr lang="nl-BE"/>
+          </a:p>
+        </p:txBody>
+      </p:sp>
       <p:pic>
         <p:nvPicPr>
           <p:cNvPr id="1026" name="Picture 2" descr="Diagram met antwoorden op het Formulier. Titel van de vraag: Het is moeilijk om een globaal overzicht te hebben van alle ingeplande activiteiten en afspraken van alle gezinsleden.. Aantal reacties: 10 reacties.">
@@ -5703,13 +6225,19 @@
         </p:blipFill>
         <p:spPr bwMode="auto">
           <a:xfrm>
-            <a:off x="704442" y="4269438"/>
-            <a:ext cx="4284947" cy="2142474"/>
+            <a:off x="818920" y="2661221"/>
+            <a:ext cx="3461223" cy="1730612"/>
           </a:xfrm>
-          <a:prstGeom prst="rect">
-            <a:avLst/>
+          <a:prstGeom prst="roundRect">
+            <a:avLst>
+              <a:gd name="adj" fmla="val 3876"/>
+            </a:avLst>
           </a:prstGeom>
           <a:noFill/>
+          <a:ln>
+            <a:noFill/>
+          </a:ln>
+          <a:effectLst/>
           <a:extLst>
             <a:ext uri="{909E8E84-426E-40DD-AFC4-6F175D3DCCD1}">
               <a14:hiddenFill xmlns:a14="http://schemas.microsoft.com/office/drawing/2010/main">
@@ -5723,10 +6251,10 @@
       </p:pic>
       <p:pic>
         <p:nvPicPr>
-          <p:cNvPr id="1030" name="Picture 6" descr="Diagram met antwoorden op het Formulier. Titel van de vraag: Bent u technologisch aangelegd? . Aantal reacties: 10 reacties.">
+          <p:cNvPr id="1028" name="Picture 4" descr="Diagram met antwoorden op het Formulier. Titel van de vraag: Bent u technologisch aangelegd? . Aantal reacties: 11 reacties.">
             <a:extLst>
               <a:ext uri="{FF2B5EF4-FFF2-40B4-BE49-F238E27FC236}">
-                <a16:creationId xmlns:a16="http://schemas.microsoft.com/office/drawing/2014/main" id="{0970944C-2C8D-4DBD-B1D8-28FB71C826D5}"/>
+                <a16:creationId xmlns:a16="http://schemas.microsoft.com/office/drawing/2014/main" id="{247242C0-561A-41CC-9A5C-C1B8DD798682}"/>
               </a:ext>
             </a:extLst>
           </p:cNvPr>
@@ -5735,7 +6263,7 @@
           </p:cNvPicPr>
           <p:nvPr/>
         </p:nvPicPr>
-        <p:blipFill>
+        <p:blipFill rotWithShape="1">
           <a:blip r:embed="rId4">
             <a:extLst>
               <a:ext uri="{28A0092B-C50C-407E-A947-70E740481C1C}">
@@ -5743,20 +6271,24 @@
               </a:ext>
             </a:extLst>
           </a:blip>
-          <a:srcRect/>
-          <a:stretch>
-            <a:fillRect/>
-          </a:stretch>
+          <a:srcRect r="7368"/>
+          <a:stretch/>
         </p:blipFill>
         <p:spPr bwMode="auto">
           <a:xfrm>
-            <a:off x="5308169" y="2400436"/>
-            <a:ext cx="3788886" cy="1747426"/>
+            <a:off x="818921" y="4663608"/>
+            <a:ext cx="3485002" cy="1730612"/>
           </a:xfrm>
-          <a:prstGeom prst="rect">
-            <a:avLst/>
+          <a:prstGeom prst="roundRect">
+            <a:avLst>
+              <a:gd name="adj" fmla="val 3876"/>
+            </a:avLst>
           </a:prstGeom>
           <a:noFill/>
+          <a:ln>
+            <a:noFill/>
+          </a:ln>
+          <a:effectLst/>
           <a:extLst>
             <a:ext uri="{909E8E84-426E-40DD-AFC4-6F175D3DCCD1}">
               <a14:hiddenFill xmlns:a14="http://schemas.microsoft.com/office/drawing/2010/main">
@@ -5768,170 +6300,344 @@
           </a:extLst>
         </p:spPr>
       </p:pic>
-      <p:pic>
-        <p:nvPicPr>
-          <p:cNvPr id="1034" name="Picture 10" descr="Diagram met antwoorden op het Formulier. Titel van de vraag: Deelt u uw digitale kalender(s) met andere leden van het gezin? . Aantal reacties: 8 reacties.">
+      <p:sp>
+        <p:nvSpPr>
+          <p:cNvPr id="7" name="Tijdelijke aanduiding voor inhoud 6">
             <a:extLst>
               <a:ext uri="{FF2B5EF4-FFF2-40B4-BE49-F238E27FC236}">
-                <a16:creationId xmlns:a16="http://schemas.microsoft.com/office/drawing/2014/main" id="{EC897133-74FF-4C9D-8684-D241B21D8FEB}"/>
+                <a16:creationId xmlns:a16="http://schemas.microsoft.com/office/drawing/2014/main" id="{300DCE30-7BA3-4349-B9A3-4045C0BCFD0A}"/>
               </a:ext>
             </a:extLst>
           </p:cNvPr>
-          <p:cNvPicPr>
-            <a:picLocks noChangeAspect="1" noChangeArrowheads="1"/>
-          </p:cNvPicPr>
-          <p:nvPr/>
-        </p:nvPicPr>
-        <p:blipFill>
-          <a:blip r:embed="rId5">
-            <a:extLst>
-              <a:ext uri="{28A0092B-C50C-407E-A947-70E740481C1C}">
-                <a14:useLocalDpi xmlns:a14="http://schemas.microsoft.com/office/drawing/2010/main" val="0"/>
-              </a:ext>
-            </a:extLst>
-          </a:blip>
-          <a:srcRect/>
-          <a:stretch>
-            <a:fillRect/>
-          </a:stretch>
-        </p:blipFill>
-        <p:spPr bwMode="auto">
+          <p:cNvSpPr>
+            <a:spLocks noGrp="1"/>
+          </p:cNvSpPr>
+          <p:nvPr>
+            <p:ph idx="1"/>
+          </p:nvPr>
+        </p:nvSpPr>
+        <p:spPr>
           <a:xfrm>
-            <a:off x="748815" y="2324169"/>
-            <a:ext cx="3547533" cy="1636115"/>
+            <a:off x="5700865" y="2185988"/>
+            <a:ext cx="7052733" cy="3632200"/>
           </a:xfrm>
-          <a:prstGeom prst="rect">
-            <a:avLst/>
-          </a:prstGeom>
-          <a:noFill/>
-          <a:extLst>
-            <a:ext uri="{909E8E84-426E-40DD-AFC4-6F175D3DCCD1}">
-              <a14:hiddenFill xmlns:a14="http://schemas.microsoft.com/office/drawing/2010/main">
-                <a:solidFill>
-                  <a:srgbClr val="FFFFFF"/>
-                </a:solidFill>
-              </a14:hiddenFill>
-            </a:ext>
-          </a:extLst>
+          <a:effectLst/>
         </p:spPr>
-      </p:pic>
-      <p:pic>
-        <p:nvPicPr>
-          <p:cNvPr id="1036" name="Picture 12" descr="Diagram met antwoorden op het Formulier. Titel van de vraag: Zou u graag een gedeelde kalender hebben op groot scherm (Digilender) in een gezamenlijke ruimte zoals de living en keuken bijvoorbeeld?. Aantal reacties: 10 reacties.">
+        <p:txBody>
+          <a:bodyPr vert="horz" lIns="91440" tIns="45720" rIns="91440" bIns="45720" rtlCol="0" anchor="ctr">
+            <a:normAutofit/>
+          </a:bodyPr>
+          <a:lstStyle/>
+          <a:p>
+            <a:pPr marL="0" indent="0">
+              <a:buNone/>
+            </a:pPr>
+            <a:r>
+              <a:rPr lang="en-US" sz="2800" b="1" dirty="0">
+                <a:solidFill>
+                  <a:schemeClr val="bg1"/>
+                </a:solidFill>
+              </a:rPr>
+              <a:t>Wat mist </a:t>
+            </a:r>
+            <a:r>
+              <a:rPr lang="en-US" sz="2800" b="1" dirty="0" err="1">
+                <a:solidFill>
+                  <a:schemeClr val="bg1"/>
+                </a:solidFill>
+              </a:rPr>
+              <a:t>er</a:t>
+            </a:r>
+            <a:r>
+              <a:rPr lang="en-US" sz="2800" b="1" dirty="0">
+                <a:solidFill>
+                  <a:schemeClr val="bg1"/>
+                </a:solidFill>
+              </a:rPr>
+              <a:t>? Wat wilt u?</a:t>
+            </a:r>
+          </a:p>
+          <a:p>
+            <a:r>
+              <a:rPr lang="en-US" dirty="0">
+                <a:solidFill>
+                  <a:schemeClr val="bg1"/>
+                </a:solidFill>
+              </a:rPr>
+              <a:t> </a:t>
+            </a:r>
+            <a:r>
+              <a:rPr lang="en-US" dirty="0" err="1">
+                <a:solidFill>
+                  <a:schemeClr val="bg1"/>
+                </a:solidFill>
+              </a:rPr>
+              <a:t>Overzicht</a:t>
+            </a:r>
+            <a:r>
+              <a:rPr lang="en-US" dirty="0">
+                <a:solidFill>
+                  <a:schemeClr val="bg1"/>
+                </a:solidFill>
+              </a:rPr>
+              <a:t> per </a:t>
+            </a:r>
+            <a:r>
+              <a:rPr lang="en-US" dirty="0" err="1">
+                <a:solidFill>
+                  <a:schemeClr val="bg1"/>
+                </a:solidFill>
+              </a:rPr>
+              <a:t>gezinslid</a:t>
+            </a:r>
+            <a:endParaRPr lang="en-US" dirty="0">
+              <a:solidFill>
+                <a:schemeClr val="bg1"/>
+              </a:solidFill>
+            </a:endParaRPr>
+          </a:p>
+          <a:p>
+            <a:r>
+              <a:rPr lang="en-US" dirty="0">
+                <a:solidFill>
+                  <a:schemeClr val="bg1"/>
+                </a:solidFill>
+              </a:rPr>
+              <a:t> </a:t>
+            </a:r>
+            <a:r>
+              <a:rPr lang="en-US" dirty="0" err="1">
+                <a:solidFill>
+                  <a:schemeClr val="bg1"/>
+                </a:solidFill>
+              </a:rPr>
+              <a:t>Overzicht</a:t>
+            </a:r>
+            <a:r>
+              <a:rPr lang="en-US" dirty="0">
+                <a:solidFill>
+                  <a:schemeClr val="bg1"/>
+                </a:solidFill>
+              </a:rPr>
+              <a:t> per </a:t>
+            </a:r>
+            <a:r>
+              <a:rPr lang="en-US" dirty="0" err="1">
+                <a:solidFill>
+                  <a:schemeClr val="bg1"/>
+                </a:solidFill>
+              </a:rPr>
+              <a:t>dag</a:t>
+            </a:r>
+            <a:r>
+              <a:rPr lang="en-US" dirty="0">
+                <a:solidFill>
+                  <a:schemeClr val="bg1"/>
+                </a:solidFill>
+              </a:rPr>
+              <a:t>, </a:t>
+            </a:r>
+            <a:r>
+              <a:rPr lang="en-US" dirty="0" err="1">
+                <a:solidFill>
+                  <a:schemeClr val="bg1"/>
+                </a:solidFill>
+              </a:rPr>
+              <a:t>niet</a:t>
+            </a:r>
+            <a:r>
+              <a:rPr lang="en-US" dirty="0">
+                <a:solidFill>
+                  <a:schemeClr val="bg1"/>
+                </a:solidFill>
+              </a:rPr>
+              <a:t> </a:t>
+            </a:r>
+            <a:r>
+              <a:rPr lang="en-US" dirty="0" err="1">
+                <a:solidFill>
+                  <a:schemeClr val="bg1"/>
+                </a:solidFill>
+              </a:rPr>
+              <a:t>uur</a:t>
+            </a:r>
+            <a:endParaRPr lang="en-US" dirty="0">
+              <a:solidFill>
+                <a:schemeClr val="bg1"/>
+              </a:solidFill>
+            </a:endParaRPr>
+          </a:p>
+          <a:p>
+            <a:r>
+              <a:rPr lang="en-US" dirty="0">
+                <a:solidFill>
+                  <a:schemeClr val="bg1"/>
+                </a:solidFill>
+              </a:rPr>
+              <a:t> </a:t>
+            </a:r>
+            <a:r>
+              <a:rPr lang="en-US" dirty="0" err="1">
+                <a:solidFill>
+                  <a:schemeClr val="bg1"/>
+                </a:solidFill>
+              </a:rPr>
+              <a:t>Simpel</a:t>
+            </a:r>
+            <a:endParaRPr lang="en-US" dirty="0">
+              <a:solidFill>
+                <a:schemeClr val="bg1"/>
+              </a:solidFill>
+            </a:endParaRPr>
+          </a:p>
+          <a:p>
+            <a:r>
+              <a:rPr lang="en-US" dirty="0">
+                <a:solidFill>
+                  <a:schemeClr val="bg1"/>
+                </a:solidFill>
+              </a:rPr>
+              <a:t> </a:t>
+            </a:r>
+            <a:r>
+              <a:rPr lang="en-US" dirty="0" err="1">
+                <a:solidFill>
+                  <a:schemeClr val="bg1"/>
+                </a:solidFill>
+              </a:rPr>
+              <a:t>Integratie</a:t>
+            </a:r>
+            <a:r>
+              <a:rPr lang="en-US" dirty="0">
+                <a:solidFill>
+                  <a:schemeClr val="bg1"/>
+                </a:solidFill>
+              </a:rPr>
+              <a:t> 3</a:t>
+            </a:r>
+            <a:r>
+              <a:rPr lang="en-US" baseline="30000" dirty="0">
+                <a:solidFill>
+                  <a:schemeClr val="bg1"/>
+                </a:solidFill>
+              </a:rPr>
+              <a:t>e</a:t>
+            </a:r>
+            <a:r>
+              <a:rPr lang="en-US" dirty="0">
+                <a:solidFill>
+                  <a:schemeClr val="bg1"/>
+                </a:solidFill>
+              </a:rPr>
+              <a:t> </a:t>
+            </a:r>
+            <a:r>
+              <a:rPr lang="en-US" dirty="0" err="1">
+                <a:solidFill>
+                  <a:schemeClr val="bg1"/>
+                </a:solidFill>
+              </a:rPr>
+              <a:t>partij</a:t>
+            </a:r>
+            <a:r>
+              <a:rPr lang="en-US" dirty="0">
+                <a:solidFill>
+                  <a:schemeClr val="bg1"/>
+                </a:solidFill>
+              </a:rPr>
+              <a:t> </a:t>
+            </a:r>
+            <a:r>
+              <a:rPr lang="en-US" dirty="0" err="1">
+                <a:solidFill>
+                  <a:schemeClr val="bg1"/>
+                </a:solidFill>
+              </a:rPr>
+              <a:t>kalenders</a:t>
+            </a:r>
+            <a:endParaRPr lang="en-US" dirty="0">
+              <a:solidFill>
+                <a:schemeClr val="bg1"/>
+              </a:solidFill>
+            </a:endParaRPr>
+          </a:p>
+          <a:p>
+            <a:r>
+              <a:rPr lang="en-US" dirty="0">
+                <a:solidFill>
+                  <a:schemeClr val="bg1"/>
+                </a:solidFill>
+              </a:rPr>
+              <a:t> </a:t>
+            </a:r>
+            <a:r>
+              <a:rPr lang="en-US" dirty="0" err="1">
+                <a:solidFill>
+                  <a:schemeClr val="bg1"/>
+                </a:solidFill>
+              </a:rPr>
+              <a:t>Overzichtelijkheid</a:t>
+            </a:r>
+            <a:endParaRPr lang="en-US" dirty="0">
+              <a:solidFill>
+                <a:schemeClr val="bg1"/>
+              </a:solidFill>
+            </a:endParaRPr>
+          </a:p>
+        </p:txBody>
+      </p:sp>
+      <p:sp>
+        <p:nvSpPr>
+          <p:cNvPr id="2" name="Titel 1">
             <a:extLst>
               <a:ext uri="{FF2B5EF4-FFF2-40B4-BE49-F238E27FC236}">
-                <a16:creationId xmlns:a16="http://schemas.microsoft.com/office/drawing/2014/main" id="{E183AEFD-6FEC-447A-966A-F6ECA50CCFED}"/>
+                <a16:creationId xmlns:a16="http://schemas.microsoft.com/office/drawing/2014/main" id="{B978BE63-576F-480E-918F-581E6EA62A51}"/>
               </a:ext>
             </a:extLst>
           </p:cNvPr>
-          <p:cNvPicPr>
-            <a:picLocks noChangeAspect="1" noChangeArrowheads="1"/>
-          </p:cNvPicPr>
-          <p:nvPr/>
-        </p:nvPicPr>
-        <p:blipFill>
-          <a:blip r:embed="rId6">
-            <a:extLst>
-              <a:ext uri="{28A0092B-C50C-407E-A947-70E740481C1C}">
-                <a14:useLocalDpi xmlns:a14="http://schemas.microsoft.com/office/drawing/2010/main" val="0"/>
-              </a:ext>
-            </a:extLst>
-          </a:blip>
-          <a:srcRect/>
-          <a:stretch>
-            <a:fillRect/>
-          </a:stretch>
-        </p:blipFill>
-        <p:spPr bwMode="auto">
-          <a:xfrm>
-            <a:off x="5779370" y="4224129"/>
-            <a:ext cx="4817168" cy="2408584"/>
-          </a:xfrm>
-          <a:prstGeom prst="rect">
-            <a:avLst/>
-          </a:prstGeom>
-          <a:noFill/>
-          <a:extLst>
-            <a:ext uri="{909E8E84-426E-40DD-AFC4-6F175D3DCCD1}">
-              <a14:hiddenFill xmlns:a14="http://schemas.microsoft.com/office/drawing/2010/main">
-                <a:solidFill>
-                  <a:srgbClr val="FFFFFF"/>
-                </a:solidFill>
-              </a14:hiddenFill>
-            </a:ext>
-          </a:extLst>
-        </p:spPr>
-      </p:pic>
-      <p:sp>
-        <p:nvSpPr>
-          <p:cNvPr id="6" name="Tekstvak 5">
-            <a:extLst>
-              <a:ext uri="{FF2B5EF4-FFF2-40B4-BE49-F238E27FC236}">
-                <a16:creationId xmlns:a16="http://schemas.microsoft.com/office/drawing/2014/main" id="{CC8A2377-52AB-4DAF-BEC0-9C200309B48B}"/>
-              </a:ext>
-            </a:extLst>
-          </p:cNvPr>
-          <p:cNvSpPr txBox="1"/>
-          <p:nvPr/>
+          <p:cNvSpPr>
+            <a:spLocks noGrp="1"/>
+          </p:cNvSpPr>
+          <p:nvPr>
+            <p:ph type="title"/>
+          </p:nvPr>
         </p:nvSpPr>
         <p:spPr>
           <a:xfrm>
-            <a:off x="7103165" y="569843"/>
-            <a:ext cx="3318537" cy="1754326"/>
+            <a:off x="5743068" y="672275"/>
+            <a:ext cx="4709228" cy="917379"/>
           </a:xfrm>
-          <a:prstGeom prst="rect">
-            <a:avLst/>
-          </a:prstGeom>
-          <a:noFill/>
+          <a:effectLst/>
         </p:spPr>
         <p:txBody>
-          <a:bodyPr wrap="none" rtlCol="0">
-            <a:spAutoFit/>
+          <a:bodyPr vert="horz" lIns="91440" tIns="45720" rIns="91440" bIns="45720" rtlCol="0" anchor="b">
+            <a:normAutofit fontScale="90000"/>
           </a:bodyPr>
           <a:lstStyle/>
           <a:p>
             <a:r>
-              <a:rPr lang="nl-BE" dirty="0"/>
-              <a:t>Wat mist er-wat wilt u?</a:t>
-            </a:r>
-          </a:p>
-          <a:p>
-            <a:r>
-              <a:rPr lang="nl-BE" dirty="0"/>
-              <a:t>Overzicht per gezinslid</a:t>
-            </a:r>
-          </a:p>
-          <a:p>
-            <a:r>
-              <a:rPr lang="nl-BE" dirty="0"/>
-              <a:t>Overzicht per dag, niet uur</a:t>
-            </a:r>
-            <a:br>
-              <a:rPr lang="nl-BE" dirty="0"/>
-            </a:br>
-            <a:r>
-              <a:rPr lang="nl-BE" dirty="0"/>
-              <a:t>simpel</a:t>
-            </a:r>
-          </a:p>
-          <a:p>
-            <a:r>
-              <a:rPr lang="nl-BE" dirty="0"/>
-              <a:t>Integratie 3</a:t>
-            </a:r>
-            <a:r>
-              <a:rPr lang="nl-BE" baseline="30000" dirty="0"/>
-              <a:t>e</a:t>
-            </a:r>
-            <a:r>
-              <a:rPr lang="nl-BE" dirty="0"/>
-              <a:t> partij kalenders</a:t>
-            </a:r>
-          </a:p>
-          <a:p>
-            <a:r>
-              <a:rPr lang="nl-BE" dirty="0"/>
-              <a:t>overzichtelijkheid</a:t>
+              <a:rPr lang="en-US" sz="5400" dirty="0">
+                <a:solidFill>
+                  <a:schemeClr val="tx1"/>
+                </a:solidFill>
+              </a:rPr>
+              <a:t>User</a:t>
+            </a:r>
+            <a:r>
+              <a:rPr lang="en-US" sz="4000" dirty="0">
+                <a:solidFill>
+                  <a:schemeClr val="tx1"/>
+                </a:solidFill>
+              </a:rPr>
+              <a:t> </a:t>
+            </a:r>
+            <a:r>
+              <a:rPr lang="en-US" sz="5400" dirty="0">
+                <a:solidFill>
+                  <a:schemeClr val="tx1"/>
+                </a:solidFill>
+              </a:rPr>
+              <a:t>interviews</a:t>
             </a:r>
           </a:p>
         </p:txBody>
@@ -5952,6 +6658,17 @@
 <file path=ppt/slides/slide4.xml><?xml version="1.0" encoding="utf-8"?>
 <p:sld xmlns:a="http://schemas.openxmlformats.org/drawingml/2006/main" xmlns:r="http://schemas.openxmlformats.org/officeDocument/2006/relationships" xmlns:p="http://schemas.openxmlformats.org/presentationml/2006/main">
   <p:cSld>
+    <p:bg>
+      <p:bgPr>
+        <a:solidFill>
+          <a:schemeClr val="accent2">
+            <a:lumMod val="40000"/>
+            <a:lumOff val="60000"/>
+          </a:schemeClr>
+        </a:solidFill>
+        <a:effectLst/>
+      </p:bgPr>
+    </p:bg>
     <p:spTree>
       <p:nvGrpSpPr>
         <p:cNvPr id="1" name=""/>
@@ -5993,10 +6710,9 @@
           <a:lstStyle/>
           <a:p>
             <a:r>
-              <a:rPr lang="nl-BE"/>
+              <a:rPr lang="nl-BE" sz="5400" dirty="0"/>
               <a:t>Ontwerpen</a:t>
             </a:r>
-            <a:endParaRPr lang="nl-BE" dirty="0"/>
           </a:p>
         </p:txBody>
       </p:sp>
@@ -6022,8 +6738,8 @@
         </p:blipFill>
         <p:spPr>
           <a:xfrm>
-            <a:off x="8381999" y="4507124"/>
-            <a:ext cx="3190205" cy="2242879"/>
+            <a:off x="8269455" y="4037428"/>
+            <a:ext cx="3798258" cy="2670372"/>
           </a:xfrm>
           <a:prstGeom prst="rect">
             <a:avLst/>
@@ -6052,8 +6768,8 @@
         </p:blipFill>
         <p:spPr>
           <a:xfrm>
-            <a:off x="7288698" y="2006522"/>
-            <a:ext cx="3340376" cy="2354885"/>
+            <a:off x="7139732" y="238105"/>
+            <a:ext cx="4429801" cy="3122904"/>
           </a:xfrm>
           <a:prstGeom prst="rect">
             <a:avLst/>
@@ -6084,8 +6800,8 @@
         </p:blipFill>
         <p:spPr>
           <a:xfrm>
-            <a:off x="5291808" y="4587841"/>
-            <a:ext cx="2839849" cy="2006600"/>
+            <a:off x="5315464" y="3570092"/>
+            <a:ext cx="2803340" cy="1980804"/>
           </a:xfrm>
           <a:prstGeom prst="rect">
             <a:avLst/>
@@ -6114,8 +6830,8 @@
         </p:blipFill>
         <p:spPr>
           <a:xfrm>
-            <a:off x="619795" y="2214994"/>
-            <a:ext cx="4474679" cy="3161686"/>
+            <a:off x="98473" y="2243130"/>
+            <a:ext cx="4953797" cy="3500218"/>
           </a:xfrm>
           <a:prstGeom prst="rect">
             <a:avLst/>
@@ -6140,9 +6856,13 @@
   <p:cSld>
     <p:bg>
       <p:bgPr>
-        <a:solidFill>
-          <a:schemeClr val="bg2"/>
-        </a:solidFill>
+        <a:blipFill dpi="0" rotWithShape="1">
+          <a:blip r:embed="rId2">
+            <a:lum/>
+          </a:blip>
+          <a:srcRect/>
+          <a:tile tx="0" ty="0" sx="100000" sy="100000" flip="none" algn="tl"/>
+        </a:blipFill>
         <a:effectLst/>
       </p:bgPr>
     </p:bg>
@@ -6160,534 +6880,12 @@
           <a:chExt cx="0" cy="0"/>
         </a:xfrm>
       </p:grpSpPr>
-      <p:sp>
-        <p:nvSpPr>
-          <p:cNvPr id="21" name="Freeform 6">
+      <p:pic>
+        <p:nvPicPr>
+          <p:cNvPr id="6" name="Afbeelding 5">
             <a:extLst>
               <a:ext uri="{FF2B5EF4-FFF2-40B4-BE49-F238E27FC236}">
-                <a16:creationId xmlns:a16="http://schemas.microsoft.com/office/drawing/2014/main" id="{11114F18-D12D-43C6-895F-5BA92C290CC1}"/>
-              </a:ext>
-              <a:ext uri="{C183D7F6-B498-43B3-948B-1728B52AA6E4}">
-                <adec:decorative xmlns:adec="http://schemas.microsoft.com/office/drawing/2017/decorative" val="1"/>
-              </a:ext>
-            </a:extLst>
-          </p:cNvPr>
-          <p:cNvSpPr>
-            <a:spLocks noGrp="1" noRot="1" noChangeAspect="1" noMove="1" noResize="1" noEditPoints="1" noAdjustHandles="1" noChangeArrowheads="1" noChangeShapeType="1" noTextEdit="1"/>
-          </p:cNvSpPr>
-          <p:nvPr>
-            <p:extLst>
-              <p:ext uri="{386F3935-93C4-4BCD-93E2-E3B085C9AB24}">
-                <p16:designElem xmlns:p16="http://schemas.microsoft.com/office/powerpoint/2015/main" val="1"/>
-              </p:ext>
-            </p:extLst>
-          </p:nvPr>
-        </p:nvSpPr>
-        <p:spPr bwMode="auto">
-          <a:xfrm>
-            <a:off x="0" y="-3175"/>
-            <a:ext cx="12192000" cy="5203825"/>
-          </a:xfrm>
-          <a:custGeom>
-            <a:avLst/>
-            <a:gdLst/>
-            <a:ahLst/>
-            <a:cxnLst/>
-            <a:rect l="0" t="0" r="r" b="b"/>
-            <a:pathLst>
-              <a:path w="5760" h="3278">
-                <a:moveTo>
-                  <a:pt x="5760" y="0"/>
-                </a:moveTo>
-                <a:lnTo>
-                  <a:pt x="0" y="0"/>
-                </a:lnTo>
-                <a:lnTo>
-                  <a:pt x="0" y="3090"/>
-                </a:lnTo>
-                <a:lnTo>
-                  <a:pt x="943" y="3090"/>
-                </a:lnTo>
-                <a:lnTo>
-                  <a:pt x="1123" y="3270"/>
-                </a:lnTo>
-                <a:lnTo>
-                  <a:pt x="1123" y="3270"/>
-                </a:lnTo>
-                <a:lnTo>
-                  <a:pt x="1127" y="3272"/>
-                </a:lnTo>
-                <a:lnTo>
-                  <a:pt x="1133" y="3275"/>
-                </a:lnTo>
-                <a:lnTo>
-                  <a:pt x="1139" y="3278"/>
-                </a:lnTo>
-                <a:lnTo>
-                  <a:pt x="1144" y="3278"/>
-                </a:lnTo>
-                <a:lnTo>
-                  <a:pt x="1150" y="3278"/>
-                </a:lnTo>
-                <a:lnTo>
-                  <a:pt x="1155" y="3275"/>
-                </a:lnTo>
-                <a:lnTo>
-                  <a:pt x="1161" y="3272"/>
-                </a:lnTo>
-                <a:lnTo>
-                  <a:pt x="1165" y="3270"/>
-                </a:lnTo>
-                <a:lnTo>
-                  <a:pt x="1345" y="3090"/>
-                </a:lnTo>
-                <a:lnTo>
-                  <a:pt x="5760" y="3090"/>
-                </a:lnTo>
-                <a:lnTo>
-                  <a:pt x="5760" y="0"/>
-                </a:lnTo>
-                <a:close/>
-              </a:path>
-            </a:pathLst>
-          </a:custGeom>
-          <a:ln/>
-          <a:effectLst/>
-          <a:extLst>
-            <a:ext uri="{91240B29-F687-4f45-9708-019B960494DF}">
-              <a14:hiddenLine xmlns:p14="http://schemas.microsoft.com/office/powerpoint/2010/main" xmlns:a14="http://schemas.microsoft.com/office/drawing/2010/main" xmlns:a16="http://schemas.microsoft.com/office/drawing/2014/main" xmlns="" w="9525">
-                <a:solidFill>
-                  <a:srgbClr val="000000"/>
-                </a:solidFill>
-                <a:round/>
-                <a:headEnd/>
-                <a:tailEnd/>
-              </a14:hiddenLine>
-            </a:ext>
-          </a:extLst>
-        </p:spPr>
-        <p:style>
-          <a:lnRef idx="1">
-            <a:schemeClr val="accent1"/>
-          </a:lnRef>
-          <a:fillRef idx="3">
-            <a:schemeClr val="accent1"/>
-          </a:fillRef>
-          <a:effectRef idx="2">
-            <a:schemeClr val="accent1"/>
-          </a:effectRef>
-          <a:fontRef idx="minor">
-            <a:schemeClr val="lt1"/>
-          </a:fontRef>
-        </p:style>
-      </p:sp>
-      <p:grpSp>
-        <p:nvGrpSpPr>
-          <p:cNvPr id="16" name="Group 15">
-            <a:extLst>
-              <a:ext uri="{FF2B5EF4-FFF2-40B4-BE49-F238E27FC236}">
-                <a16:creationId xmlns:a16="http://schemas.microsoft.com/office/drawing/2014/main" id="{DE2DD4A6-DC96-421E-9E1C-7CD0D26814F8}"/>
-              </a:ext>
-              <a:ext uri="{C183D7F6-B498-43B3-948B-1728B52AA6E4}">
-                <adec:decorative xmlns:adec="http://schemas.microsoft.com/office/drawing/2017/decorative" val="1"/>
-              </a:ext>
-            </a:extLst>
-          </p:cNvPr>
-          <p:cNvGrpSpPr>
-            <a:grpSpLocks noGrp="1" noUngrp="1" noRot="1" noChangeAspect="1" noMove="1" noResize="1"/>
-          </p:cNvGrpSpPr>
-          <p:nvPr>
-            <p:extLst>
-              <p:ext uri="{386F3935-93C4-4BCD-93E2-E3B085C9AB24}">
-                <p16:designElem xmlns:p16="http://schemas.microsoft.com/office/powerpoint/2015/main" val="1"/>
-              </p:ext>
-            </p:extLst>
-          </p:nvPr>
-        </p:nvGrpSpPr>
-        <p:grpSpPr bwMode="white">
-          <a:xfrm>
-            <a:off x="-9832" y="4525094"/>
-            <a:ext cx="12203151" cy="2344057"/>
-            <a:chOff x="0" y="4525094"/>
-            <a:chExt cx="12203151" cy="2344057"/>
-          </a:xfrm>
-        </p:grpSpPr>
-        <p:sp>
-          <p:nvSpPr>
-            <p:cNvPr id="22" name="Freeform 9">
-              <a:extLst>
-                <a:ext uri="{FF2B5EF4-FFF2-40B4-BE49-F238E27FC236}">
-                  <a16:creationId xmlns:a16="http://schemas.microsoft.com/office/drawing/2014/main" id="{5E6BB74D-E85C-4CCB-90CE-024600640500}"/>
-                </a:ext>
-                <a:ext uri="{C183D7F6-B498-43B3-948B-1728B52AA6E4}">
-                  <adec:decorative xmlns:adec="http://schemas.microsoft.com/office/drawing/2017/decorative" val="1"/>
-                </a:ext>
-              </a:extLst>
-            </p:cNvPr>
-            <p:cNvSpPr/>
-            <p:nvPr>
-              <p:extLst>
-                <p:ext uri="{386F3935-93C4-4BCD-93E2-E3B085C9AB24}">
-                  <p16:designElem xmlns:p16="http://schemas.microsoft.com/office/powerpoint/2015/main" val="1"/>
-                </p:ext>
-              </p:extLst>
-            </p:nvPr>
-          </p:nvSpPr>
-          <p:spPr bwMode="white">
-            <a:xfrm>
-              <a:off x="0" y="4525094"/>
-              <a:ext cx="12192000" cy="2332906"/>
-            </a:xfrm>
-            <a:custGeom>
-              <a:avLst/>
-              <a:gdLst>
-                <a:gd name="connsiteX0" fmla="*/ 0 w 12192000"/>
-                <a:gd name="connsiteY0" fmla="*/ 0 h 2332906"/>
-                <a:gd name="connsiteX1" fmla="*/ 1996017 w 12192000"/>
-                <a:gd name="connsiteY1" fmla="*/ 0 h 2332906"/>
-                <a:gd name="connsiteX2" fmla="*/ 2377017 w 12192000"/>
-                <a:gd name="connsiteY2" fmla="*/ 263783 h 2332906"/>
-                <a:gd name="connsiteX3" fmla="*/ 2385484 w 12192000"/>
-                <a:gd name="connsiteY3" fmla="*/ 266713 h 2332906"/>
-                <a:gd name="connsiteX4" fmla="*/ 2398184 w 12192000"/>
-                <a:gd name="connsiteY4" fmla="*/ 271110 h 2332906"/>
-                <a:gd name="connsiteX5" fmla="*/ 2410883 w 12192000"/>
-                <a:gd name="connsiteY5" fmla="*/ 275506 h 2332906"/>
-                <a:gd name="connsiteX6" fmla="*/ 2421467 w 12192000"/>
-                <a:gd name="connsiteY6" fmla="*/ 275506 h 2332906"/>
-                <a:gd name="connsiteX7" fmla="*/ 2434167 w 12192000"/>
-                <a:gd name="connsiteY7" fmla="*/ 275506 h 2332906"/>
-                <a:gd name="connsiteX8" fmla="*/ 2444750 w 12192000"/>
-                <a:gd name="connsiteY8" fmla="*/ 271110 h 2332906"/>
-                <a:gd name="connsiteX9" fmla="*/ 2457450 w 12192000"/>
-                <a:gd name="connsiteY9" fmla="*/ 266713 h 2332906"/>
-                <a:gd name="connsiteX10" fmla="*/ 2465917 w 12192000"/>
-                <a:gd name="connsiteY10" fmla="*/ 263783 h 2332906"/>
-                <a:gd name="connsiteX11" fmla="*/ 2846917 w 12192000"/>
-                <a:gd name="connsiteY11" fmla="*/ 0 h 2332906"/>
-                <a:gd name="connsiteX12" fmla="*/ 12192000 w 12192000"/>
-                <a:gd name="connsiteY12" fmla="*/ 0 h 2332906"/>
-                <a:gd name="connsiteX13" fmla="*/ 12192000 w 12192000"/>
-                <a:gd name="connsiteY13" fmla="*/ 2332906 h 2332906"/>
-                <a:gd name="connsiteX14" fmla="*/ 0 w 12192000"/>
-                <a:gd name="connsiteY14" fmla="*/ 2332906 h 2332906"/>
-              </a:gdLst>
-              <a:ahLst/>
-              <a:cxnLst>
-                <a:cxn ang="0">
-                  <a:pos x="connsiteX0" y="connsiteY0"/>
-                </a:cxn>
-                <a:cxn ang="0">
-                  <a:pos x="connsiteX1" y="connsiteY1"/>
-                </a:cxn>
-                <a:cxn ang="0">
-                  <a:pos x="connsiteX2" y="connsiteY2"/>
-                </a:cxn>
-                <a:cxn ang="0">
-                  <a:pos x="connsiteX3" y="connsiteY3"/>
-                </a:cxn>
-                <a:cxn ang="0">
-                  <a:pos x="connsiteX4" y="connsiteY4"/>
-                </a:cxn>
-                <a:cxn ang="0">
-                  <a:pos x="connsiteX5" y="connsiteY5"/>
-                </a:cxn>
-                <a:cxn ang="0">
-                  <a:pos x="connsiteX6" y="connsiteY6"/>
-                </a:cxn>
-                <a:cxn ang="0">
-                  <a:pos x="connsiteX7" y="connsiteY7"/>
-                </a:cxn>
-                <a:cxn ang="0">
-                  <a:pos x="connsiteX8" y="connsiteY8"/>
-                </a:cxn>
-                <a:cxn ang="0">
-                  <a:pos x="connsiteX9" y="connsiteY9"/>
-                </a:cxn>
-                <a:cxn ang="0">
-                  <a:pos x="connsiteX10" y="connsiteY10"/>
-                </a:cxn>
-                <a:cxn ang="0">
-                  <a:pos x="connsiteX11" y="connsiteY11"/>
-                </a:cxn>
-                <a:cxn ang="0">
-                  <a:pos x="connsiteX12" y="connsiteY12"/>
-                </a:cxn>
-                <a:cxn ang="0">
-                  <a:pos x="connsiteX13" y="connsiteY13"/>
-                </a:cxn>
-                <a:cxn ang="0">
-                  <a:pos x="connsiteX14" y="connsiteY14"/>
-                </a:cxn>
-              </a:cxnLst>
-              <a:rect l="l" t="t" r="r" b="b"/>
-              <a:pathLst>
-                <a:path w="12192000" h="2332906">
-                  <a:moveTo>
-                    <a:pt x="0" y="0"/>
-                  </a:moveTo>
-                  <a:lnTo>
-                    <a:pt x="1996017" y="0"/>
-                  </a:lnTo>
-                  <a:lnTo>
-                    <a:pt x="2377017" y="263783"/>
-                  </a:lnTo>
-                  <a:lnTo>
-                    <a:pt x="2385484" y="266713"/>
-                  </a:lnTo>
-                  <a:lnTo>
-                    <a:pt x="2398184" y="271110"/>
-                  </a:lnTo>
-                  <a:lnTo>
-                    <a:pt x="2410883" y="275506"/>
-                  </a:lnTo>
-                  <a:lnTo>
-                    <a:pt x="2421467" y="275506"/>
-                  </a:lnTo>
-                  <a:lnTo>
-                    <a:pt x="2434167" y="275506"/>
-                  </a:lnTo>
-                  <a:lnTo>
-                    <a:pt x="2444750" y="271110"/>
-                  </a:lnTo>
-                  <a:lnTo>
-                    <a:pt x="2457450" y="266713"/>
-                  </a:lnTo>
-                  <a:lnTo>
-                    <a:pt x="2465917" y="263783"/>
-                  </a:lnTo>
-                  <a:lnTo>
-                    <a:pt x="2846917" y="0"/>
-                  </a:lnTo>
-                  <a:lnTo>
-                    <a:pt x="12192000" y="0"/>
-                  </a:lnTo>
-                  <a:lnTo>
-                    <a:pt x="12192000" y="2332906"/>
-                  </a:lnTo>
-                  <a:lnTo>
-                    <a:pt x="0" y="2332906"/>
-                  </a:lnTo>
-                  <a:close/>
-                </a:path>
-              </a:pathLst>
-            </a:custGeom>
-            <a:solidFill>
-              <a:schemeClr val="bg1">
-                <a:lumMod val="85000"/>
-                <a:lumOff val="15000"/>
-              </a:schemeClr>
-            </a:solidFill>
-            <a:ln>
-              <a:solidFill>
-                <a:schemeClr val="accent1"/>
-              </a:solidFill>
-            </a:ln>
-          </p:spPr>
-          <p:style>
-            <a:lnRef idx="2">
-              <a:schemeClr val="accent1">
-                <a:shade val="50000"/>
-              </a:schemeClr>
-            </a:lnRef>
-            <a:fillRef idx="1">
-              <a:schemeClr val="accent1"/>
-            </a:fillRef>
-            <a:effectRef idx="0">
-              <a:schemeClr val="accent1"/>
-            </a:effectRef>
-            <a:fontRef idx="minor">
-              <a:schemeClr val="lt1"/>
-            </a:fontRef>
-          </p:style>
-          <p:txBody>
-            <a:bodyPr rtlCol="0" anchor="ctr"/>
-            <a:lstStyle/>
-            <a:p>
-              <a:pPr algn="ctr"/>
-              <a:endParaRPr lang="en-US"/>
-            </a:p>
-          </p:txBody>
-        </p:sp>
-        <p:sp>
-          <p:nvSpPr>
-            <p:cNvPr id="18" name="Isosceles Triangle 17">
-              <a:extLst>
-                <a:ext uri="{FF2B5EF4-FFF2-40B4-BE49-F238E27FC236}">
-                  <a16:creationId xmlns:a16="http://schemas.microsoft.com/office/drawing/2014/main" id="{52808592-600C-4349-9F27-EC36C0BA4C3C}"/>
-                </a:ext>
-                <a:ext uri="{C183D7F6-B498-43B3-948B-1728B52AA6E4}">
-                  <adec:decorative xmlns:adec="http://schemas.microsoft.com/office/drawing/2017/decorative" val="1"/>
-                </a:ext>
-              </a:extLst>
-            </p:cNvPr>
-            <p:cNvSpPr/>
-            <p:nvPr>
-              <p:extLst>
-                <p:ext uri="{386F3935-93C4-4BCD-93E2-E3B085C9AB24}">
-                  <p16:designElem xmlns:p16="http://schemas.microsoft.com/office/powerpoint/2015/main" val="1"/>
-                </p:ext>
-              </p:extLst>
-            </p:nvPr>
-          </p:nvSpPr>
-          <p:spPr bwMode="white">
-            <a:xfrm flipH="1">
-              <a:off x="3820" y="4536245"/>
-              <a:ext cx="5660999" cy="2332906"/>
-            </a:xfrm>
-            <a:prstGeom prst="triangle">
-              <a:avLst>
-                <a:gd name="adj" fmla="val 100000"/>
-              </a:avLst>
-            </a:prstGeom>
-            <a:solidFill>
-              <a:schemeClr val="bg1">
-                <a:lumMod val="85000"/>
-                <a:lumOff val="15000"/>
-              </a:schemeClr>
-            </a:solidFill>
-            <a:ln>
-              <a:noFill/>
-            </a:ln>
-          </p:spPr>
-          <p:style>
-            <a:lnRef idx="2">
-              <a:schemeClr val="accent1">
-                <a:shade val="50000"/>
-              </a:schemeClr>
-            </a:lnRef>
-            <a:fillRef idx="1">
-              <a:schemeClr val="accent1"/>
-            </a:fillRef>
-            <a:effectRef idx="0">
-              <a:schemeClr val="accent1"/>
-            </a:effectRef>
-            <a:fontRef idx="minor">
-              <a:schemeClr val="lt1"/>
-            </a:fontRef>
-          </p:style>
-          <p:txBody>
-            <a:bodyPr rtlCol="0" anchor="ctr"/>
-            <a:lstStyle/>
-            <a:p>
-              <a:pPr algn="ctr"/>
-              <a:endParaRPr lang="en-US"/>
-            </a:p>
-          </p:txBody>
-        </p:sp>
-        <p:sp>
-          <p:nvSpPr>
-            <p:cNvPr id="23" name="Isosceles Triangle 18">
-              <a:extLst>
-                <a:ext uri="{FF2B5EF4-FFF2-40B4-BE49-F238E27FC236}">
-                  <a16:creationId xmlns:a16="http://schemas.microsoft.com/office/drawing/2014/main" id="{B5E00D3B-1E29-4E11-BCD3-8E3A56F4BE0F}"/>
-                </a:ext>
-                <a:ext uri="{C183D7F6-B498-43B3-948B-1728B52AA6E4}">
-                  <adec:decorative xmlns:adec="http://schemas.microsoft.com/office/drawing/2017/decorative" val="1"/>
-                </a:ext>
-              </a:extLst>
-            </p:cNvPr>
-            <p:cNvSpPr/>
-            <p:nvPr>
-              <p:extLst>
-                <p:ext uri="{386F3935-93C4-4BCD-93E2-E3B085C9AB24}">
-                  <p16:designElem xmlns:p16="http://schemas.microsoft.com/office/powerpoint/2015/main" val="1"/>
-                </p:ext>
-              </p:extLst>
-            </p:nvPr>
-          </p:nvSpPr>
-          <p:spPr bwMode="white">
-            <a:xfrm>
-              <a:off x="4813714" y="4536245"/>
-              <a:ext cx="7389437" cy="2332906"/>
-            </a:xfrm>
-            <a:prstGeom prst="triangle">
-              <a:avLst>
-                <a:gd name="adj" fmla="val 100000"/>
-              </a:avLst>
-            </a:prstGeom>
-            <a:solidFill>
-              <a:schemeClr val="bg1">
-                <a:lumMod val="85000"/>
-                <a:lumOff val="15000"/>
-              </a:schemeClr>
-            </a:solidFill>
-            <a:ln>
-              <a:noFill/>
-            </a:ln>
-          </p:spPr>
-          <p:style>
-            <a:lnRef idx="2">
-              <a:schemeClr val="accent1">
-                <a:shade val="50000"/>
-              </a:schemeClr>
-            </a:lnRef>
-            <a:fillRef idx="1">
-              <a:schemeClr val="accent1"/>
-            </a:fillRef>
-            <a:effectRef idx="0">
-              <a:schemeClr val="accent1"/>
-            </a:effectRef>
-            <a:fontRef idx="minor">
-              <a:schemeClr val="lt1"/>
-            </a:fontRef>
-          </p:style>
-          <p:txBody>
-            <a:bodyPr rtlCol="0" anchor="ctr"/>
-            <a:lstStyle/>
-            <a:p>
-              <a:pPr algn="ctr"/>
-              <a:endParaRPr lang="en-US"/>
-            </a:p>
-          </p:txBody>
-        </p:sp>
-      </p:grpSp>
-      <p:sp>
-        <p:nvSpPr>
-          <p:cNvPr id="2" name="Titel 1">
-            <a:extLst>
-              <a:ext uri="{FF2B5EF4-FFF2-40B4-BE49-F238E27FC236}">
-                <a16:creationId xmlns:a16="http://schemas.microsoft.com/office/drawing/2014/main" id="{DD55FC89-5B49-456A-8B55-E674ACF02B5B}"/>
-              </a:ext>
-            </a:extLst>
-          </p:cNvPr>
-          <p:cNvSpPr>
-            <a:spLocks noGrp="1"/>
-          </p:cNvSpPr>
-          <p:nvPr>
-            <p:ph type="title"/>
-          </p:nvPr>
-        </p:nvSpPr>
-        <p:spPr>
-          <a:xfrm>
-            <a:off x="810001" y="4817533"/>
-            <a:ext cx="10572000" cy="779529"/>
-          </a:xfrm>
-          <a:effectLst/>
-        </p:spPr>
-        <p:txBody>
-          <a:bodyPr vert="horz" lIns="91440" tIns="45720" rIns="91440" bIns="45720" rtlCol="0" anchor="b">
-            <a:normAutofit/>
-          </a:bodyPr>
-          <a:lstStyle/>
-          <a:p>
-            <a:r>
-              <a:rPr lang="en-US">
-                <a:solidFill>
-                  <a:schemeClr val="tx1"/>
-                </a:solidFill>
-              </a:rPr>
-              <a:t>Mock ups</a:t>
-            </a:r>
-          </a:p>
-        </p:txBody>
-      </p:sp>
-      <p:pic>
-        <p:nvPicPr>
-          <p:cNvPr id="9" name="Afbeelding 8">
-            <a:extLst>
-              <a:ext uri="{FF2B5EF4-FFF2-40B4-BE49-F238E27FC236}">
-                <a16:creationId xmlns:a16="http://schemas.microsoft.com/office/drawing/2014/main" id="{C4B60492-E0E5-4E6F-98AC-3C5B6FD5415F}"/>
+                <a16:creationId xmlns:a16="http://schemas.microsoft.com/office/drawing/2014/main" id="{372F78AC-A1E5-4869-8A19-5048C1E080AF}"/>
               </a:ext>
             </a:extLst>
           </p:cNvPr>
@@ -6697,7 +6895,7 @@
           <p:nvPr/>
         </p:nvPicPr>
         <p:blipFill>
-          <a:blip r:embed="rId2"/>
+          <a:blip r:embed="rId3"/>
           <a:stretch>
             <a:fillRect/>
           </a:stretch>
@@ -6722,22 +6920,20 @@
       </p:pic>
       <p:pic>
         <p:nvPicPr>
-          <p:cNvPr id="5" name="Tijdelijke aanduiding voor inhoud 4">
+          <p:cNvPr id="7" name="Tijdelijke aanduiding voor inhoud 4">
             <a:extLst>
               <a:ext uri="{FF2B5EF4-FFF2-40B4-BE49-F238E27FC236}">
-                <a16:creationId xmlns:a16="http://schemas.microsoft.com/office/drawing/2014/main" id="{243C85A1-F6F2-411D-AED9-CE8EA24C7F17}"/>
+                <a16:creationId xmlns:a16="http://schemas.microsoft.com/office/drawing/2014/main" id="{FB3A9F2A-6844-438D-8DA7-FF9BDA8A9C1D}"/>
               </a:ext>
             </a:extLst>
           </p:cNvPr>
           <p:cNvPicPr>
-            <a:picLocks noGrp="1" noChangeAspect="1"/>
+            <a:picLocks noChangeAspect="1"/>
           </p:cNvPicPr>
-          <p:nvPr>
-            <p:ph idx="1"/>
-          </p:nvPr>
+          <p:nvPr/>
         </p:nvPicPr>
         <p:blipFill>
-          <a:blip r:embed="rId3"/>
+          <a:blip r:embed="rId4"/>
           <a:stretch>
             <a:fillRect/>
           </a:stretch>
@@ -6762,10 +6958,10 @@
       </p:pic>
       <p:pic>
         <p:nvPicPr>
-          <p:cNvPr id="7" name="Afbeelding 6">
+          <p:cNvPr id="8" name="Afbeelding 7">
             <a:extLst>
               <a:ext uri="{FF2B5EF4-FFF2-40B4-BE49-F238E27FC236}">
-                <a16:creationId xmlns:a16="http://schemas.microsoft.com/office/drawing/2014/main" id="{4C038402-C88C-4DD6-AE1B-1BC65F72607A}"/>
+                <a16:creationId xmlns:a16="http://schemas.microsoft.com/office/drawing/2014/main" id="{B1A0B2B0-BBA9-4DCC-B6F1-E4BC21AD8C89}"/>
               </a:ext>
             </a:extLst>
           </p:cNvPr>
@@ -6775,7 +6971,7 @@
           <p:nvPr/>
         </p:nvPicPr>
         <p:blipFill>
-          <a:blip r:embed="rId4"/>
+          <a:blip r:embed="rId5"/>
           <a:stretch>
             <a:fillRect/>
           </a:stretch>
@@ -6798,10 +6994,45 @@
           <a:effectLst/>
         </p:spPr>
       </p:pic>
+      <p:sp>
+        <p:nvSpPr>
+          <p:cNvPr id="10" name="Ondertitel 9">
+            <a:extLst>
+              <a:ext uri="{FF2B5EF4-FFF2-40B4-BE49-F238E27FC236}">
+                <a16:creationId xmlns:a16="http://schemas.microsoft.com/office/drawing/2014/main" id="{16A65BA1-C553-46E8-B986-1A15E76E193F}"/>
+              </a:ext>
+            </a:extLst>
+          </p:cNvPr>
+          <p:cNvSpPr>
+            <a:spLocks noGrp="1"/>
+          </p:cNvSpPr>
+          <p:nvPr>
+            <p:ph type="subTitle" idx="1"/>
+          </p:nvPr>
+        </p:nvSpPr>
+        <p:spPr>
+          <a:xfrm>
+            <a:off x="613049" y="5280847"/>
+            <a:ext cx="10572000" cy="434974"/>
+          </a:xfrm>
+        </p:spPr>
+        <p:txBody>
+          <a:bodyPr>
+            <a:noAutofit/>
+          </a:bodyPr>
+          <a:lstStyle/>
+          <a:p>
+            <a:r>
+              <a:rPr lang="nl-BE" sz="5400" b="1" dirty="0"/>
+              <a:t>Ontwerpen</a:t>
+            </a:r>
+          </a:p>
+        </p:txBody>
+      </p:sp>
     </p:spTree>
     <p:extLst>
       <p:ext uri="{BB962C8B-B14F-4D97-AF65-F5344CB8AC3E}">
-        <p14:creationId xmlns:p14="http://schemas.microsoft.com/office/powerpoint/2010/main" val="2945476348"/>
+        <p14:creationId xmlns:p14="http://schemas.microsoft.com/office/powerpoint/2010/main" val="2522317884"/>
       </p:ext>
     </p:extLst>
   </p:cSld>
@@ -6814,6 +7045,17 @@
 <file path=ppt/slides/slide6.xml><?xml version="1.0" encoding="utf-8"?>
 <p:sld xmlns:a="http://schemas.openxmlformats.org/drawingml/2006/main" xmlns:r="http://schemas.openxmlformats.org/officeDocument/2006/relationships" xmlns:p="http://schemas.openxmlformats.org/presentationml/2006/main">
   <p:cSld>
+    <p:bg>
+      <p:bgPr>
+        <a:solidFill>
+          <a:schemeClr val="accent2">
+            <a:lumMod val="40000"/>
+            <a:lumOff val="60000"/>
+          </a:schemeClr>
+        </a:solidFill>
+        <a:effectLst/>
+      </p:bgPr>
+    </p:bg>
     <p:spTree>
       <p:nvGrpSpPr>
         <p:cNvPr id="1" name=""/>
@@ -6851,64 +7093,28 @@
           <a:p>
             <a:r>
               <a:rPr lang="nl-BE" dirty="0"/>
-              <a:t>Sprint 1</a:t>
-            </a:r>
-          </a:p>
-        </p:txBody>
-      </p:sp>
-      <p:sp>
-        <p:nvSpPr>
-          <p:cNvPr id="3" name="Tijdelijke aanduiding voor inhoud 2">
-            <a:extLst>
-              <a:ext uri="{FF2B5EF4-FFF2-40B4-BE49-F238E27FC236}">
-                <a16:creationId xmlns:a16="http://schemas.microsoft.com/office/drawing/2014/main" id="{8819515C-E742-45C2-B571-4F9AF23FD4F6}"/>
-              </a:ext>
-            </a:extLst>
-          </p:cNvPr>
-          <p:cNvSpPr>
-            <a:spLocks noGrp="1"/>
-          </p:cNvSpPr>
-          <p:nvPr>
-            <p:ph sz="half" idx="1"/>
-          </p:nvPr>
-        </p:nvSpPr>
-        <p:spPr/>
-        <p:txBody>
-          <a:bodyPr/>
-          <a:lstStyle/>
-          <a:p>
-            <a:r>
-              <a:rPr lang="nl-BE" dirty="0"/>
-              <a:t>opgenomen</a:t>
-            </a:r>
-          </a:p>
-        </p:txBody>
-      </p:sp>
-      <p:sp>
-        <p:nvSpPr>
-          <p:cNvPr id="4" name="Tijdelijke aanduiding voor inhoud 3">
-            <a:extLst>
-              <a:ext uri="{FF2B5EF4-FFF2-40B4-BE49-F238E27FC236}">
-                <a16:creationId xmlns:a16="http://schemas.microsoft.com/office/drawing/2014/main" id="{8A3B118B-414F-47B3-8ECB-8CDEEE0F381A}"/>
-              </a:ext>
-            </a:extLst>
-          </p:cNvPr>
-          <p:cNvSpPr>
-            <a:spLocks noGrp="1"/>
-          </p:cNvSpPr>
-          <p:nvPr>
-            <p:ph sz="half" idx="2"/>
-          </p:nvPr>
-        </p:nvSpPr>
-        <p:spPr/>
-        <p:txBody>
-          <a:bodyPr/>
-          <a:lstStyle/>
-          <a:p>
-            <a:r>
-              <a:rPr lang="nl-BE" dirty="0"/>
-              <a:t>afgewerkt</a:t>
-            </a:r>
+              <a:t>Sprint 1 - </a:t>
+            </a:r>
+            <a:r>
+              <a:rPr lang="nl-BE" dirty="0" err="1">
+                <a:solidFill>
+                  <a:schemeClr val="tx1"/>
+                </a:solidFill>
+                <a:hlinkClick r:id="rId2">
+                  <a:extLst>
+                    <a:ext uri="{A12FA001-AC4F-418D-AE19-62706E023703}">
+                      <ahyp:hlinkClr xmlns:ahyp="http://schemas.microsoft.com/office/drawing/2018/hyperlinkcolor" val="tx"/>
+                    </a:ext>
+                  </a:extLst>
+                </a:hlinkClick>
+              </a:rPr>
+              <a:t>JiRA</a:t>
+            </a:r>
+            <a:endParaRPr lang="nl-BE" dirty="0">
+              <a:solidFill>
+                <a:schemeClr val="tx1"/>
+              </a:solidFill>
+            </a:endParaRPr>
           </a:p>
         </p:txBody>
       </p:sp>
@@ -6928,6 +7134,17 @@
 <file path=ppt/slides/slide7.xml><?xml version="1.0" encoding="utf-8"?>
 <p:sld xmlns:a="http://schemas.openxmlformats.org/drawingml/2006/main" xmlns:r="http://schemas.openxmlformats.org/officeDocument/2006/relationships" xmlns:p="http://schemas.openxmlformats.org/presentationml/2006/main">
   <p:cSld>
+    <p:bg>
+      <p:bgPr>
+        <a:solidFill>
+          <a:schemeClr val="bg2">
+            <a:lumMod val="60000"/>
+            <a:lumOff val="40000"/>
+          </a:schemeClr>
+        </a:solidFill>
+        <a:effectLst/>
+      </p:bgPr>
+    </p:bg>
     <p:spTree>
       <p:nvGrpSpPr>
         <p:cNvPr id="1" name=""/>
@@ -6944,233 +7161,279 @@
       </p:grpSpPr>
       <p:sp>
         <p:nvSpPr>
-          <p:cNvPr id="2" name="Titel 1">
+          <p:cNvPr id="9" name="Freeform 6">
             <a:extLst>
               <a:ext uri="{FF2B5EF4-FFF2-40B4-BE49-F238E27FC236}">
-                <a16:creationId xmlns:a16="http://schemas.microsoft.com/office/drawing/2014/main" id="{EB7698E9-A615-40B6-8A5E-43DE35A1AB65}"/>
+                <a16:creationId xmlns:a16="http://schemas.microsoft.com/office/drawing/2014/main" id="{E446B7E6-8568-417F-959E-DB3D1E70F648}"/>
+              </a:ext>
+              <a:ext uri="{C183D7F6-B498-43B3-948B-1728B52AA6E4}">
+                <adec:decorative xmlns:adec="http://schemas.microsoft.com/office/drawing/2017/decorative" val="1"/>
               </a:ext>
             </a:extLst>
           </p:cNvPr>
           <p:cNvSpPr>
-            <a:spLocks noGrp="1"/>
-          </p:cNvSpPr>
-          <p:nvPr>
-            <p:ph type="title"/>
-          </p:nvPr>
-        </p:nvSpPr>
-        <p:spPr/>
-        <p:txBody>
-          <a:bodyPr/>
-          <a:lstStyle/>
-          <a:p>
-            <a:r>
-              <a:rPr lang="nl-BE" dirty="0" err="1"/>
-              <a:t>burndownchart</a:t>
-            </a:r>
-            <a:endParaRPr lang="nl-BE" dirty="0"/>
-          </a:p>
-        </p:txBody>
-      </p:sp>
-      <p:sp>
-        <p:nvSpPr>
-          <p:cNvPr id="3" name="Tijdelijke aanduiding voor inhoud 2">
+            <a:spLocks noGrp="1" noRot="1" noChangeAspect="1" noMove="1" noResize="1" noEditPoints="1" noAdjustHandles="1" noChangeArrowheads="1" noChangeShapeType="1" noTextEdit="1"/>
+          </p:cNvSpPr>
+          <p:nvPr>
+            <p:extLst>
+              <p:ext uri="{386F3935-93C4-4BCD-93E2-E3B085C9AB24}">
+                <p16:designElem xmlns:p16="http://schemas.microsoft.com/office/powerpoint/2015/main" val="1"/>
+              </p:ext>
+            </p:extLst>
+          </p:nvPr>
+        </p:nvSpPr>
+        <p:spPr bwMode="auto">
+          <a:xfrm>
+            <a:off x="0" y="-3175"/>
+            <a:ext cx="12192000" cy="5203825"/>
+          </a:xfrm>
+          <a:custGeom>
+            <a:avLst/>
+            <a:gdLst/>
+            <a:ahLst/>
+            <a:cxnLst/>
+            <a:rect l="0" t="0" r="r" b="b"/>
+            <a:pathLst>
+              <a:path w="5760" h="3278">
+                <a:moveTo>
+                  <a:pt x="5760" y="0"/>
+                </a:moveTo>
+                <a:lnTo>
+                  <a:pt x="0" y="0"/>
+                </a:lnTo>
+                <a:lnTo>
+                  <a:pt x="0" y="3090"/>
+                </a:lnTo>
+                <a:lnTo>
+                  <a:pt x="943" y="3090"/>
+                </a:lnTo>
+                <a:lnTo>
+                  <a:pt x="1123" y="3270"/>
+                </a:lnTo>
+                <a:lnTo>
+                  <a:pt x="1123" y="3270"/>
+                </a:lnTo>
+                <a:lnTo>
+                  <a:pt x="1127" y="3272"/>
+                </a:lnTo>
+                <a:lnTo>
+                  <a:pt x="1133" y="3275"/>
+                </a:lnTo>
+                <a:lnTo>
+                  <a:pt x="1139" y="3278"/>
+                </a:lnTo>
+                <a:lnTo>
+                  <a:pt x="1144" y="3278"/>
+                </a:lnTo>
+                <a:lnTo>
+                  <a:pt x="1150" y="3278"/>
+                </a:lnTo>
+                <a:lnTo>
+                  <a:pt x="1155" y="3275"/>
+                </a:lnTo>
+                <a:lnTo>
+                  <a:pt x="1161" y="3272"/>
+                </a:lnTo>
+                <a:lnTo>
+                  <a:pt x="1165" y="3270"/>
+                </a:lnTo>
+                <a:lnTo>
+                  <a:pt x="1345" y="3090"/>
+                </a:lnTo>
+                <a:lnTo>
+                  <a:pt x="5760" y="3090"/>
+                </a:lnTo>
+                <a:lnTo>
+                  <a:pt x="5760" y="0"/>
+                </a:lnTo>
+                <a:close/>
+              </a:path>
+            </a:pathLst>
+          </a:custGeom>
+          <a:ln/>
+          <a:effectLst/>
+          <a:extLst>
+            <a:ext uri="{91240B29-F687-4f45-9708-019B960494DF}">
+              <a14:hiddenLine xmlns="" xmlns:a16="http://schemas.microsoft.com/office/drawing/2014/main" xmlns:p14="http://schemas.microsoft.com/office/powerpoint/2010/main" xmlns:a14="http://schemas.microsoft.com/office/drawing/2010/main" w="9525">
+                <a:solidFill>
+                  <a:srgbClr val="000000"/>
+                </a:solidFill>
+                <a:round/>
+                <a:headEnd/>
+                <a:tailEnd/>
+              </a14:hiddenLine>
+            </a:ext>
+          </a:extLst>
+        </p:spPr>
+        <p:style>
+          <a:lnRef idx="1">
+            <a:schemeClr val="accent1"/>
+          </a:lnRef>
+          <a:fillRef idx="3">
+            <a:schemeClr val="accent1"/>
+          </a:fillRef>
+          <a:effectRef idx="2">
+            <a:schemeClr val="accent1"/>
+          </a:effectRef>
+          <a:fontRef idx="minor">
+            <a:schemeClr val="lt1"/>
+          </a:fontRef>
+        </p:style>
+      </p:sp>
+      <p:sp useBgFill="1">
+        <p:nvSpPr>
+          <p:cNvPr id="11" name="Rectangle 10">
             <a:extLst>
               <a:ext uri="{FF2B5EF4-FFF2-40B4-BE49-F238E27FC236}">
-                <a16:creationId xmlns:a16="http://schemas.microsoft.com/office/drawing/2014/main" id="{099A0539-C326-4DDB-8125-BA7DA20DB89F}"/>
+                <a16:creationId xmlns:a16="http://schemas.microsoft.com/office/drawing/2014/main" id="{54047A07-72EC-41BC-A55F-C264F639FB20}"/>
+              </a:ext>
+              <a:ext uri="{C183D7F6-B498-43B3-948B-1728B52AA6E4}">
+                <adec:decorative xmlns:adec="http://schemas.microsoft.com/office/drawing/2017/decorative" val="1"/>
               </a:ext>
             </a:extLst>
           </p:cNvPr>
           <p:cNvSpPr>
-            <a:spLocks noGrp="1"/>
-          </p:cNvSpPr>
-          <p:nvPr>
-            <p:ph idx="1"/>
-          </p:nvPr>
-        </p:nvSpPr>
-        <p:spPr/>
-        <p:txBody>
-          <a:bodyPr/>
+            <a:spLocks noGrp="1" noRot="1" noChangeAspect="1" noMove="1" noResize="1" noEditPoints="1" noAdjustHandles="1" noChangeArrowheads="1" noChangeShapeType="1" noTextEdit="1"/>
+          </p:cNvSpPr>
+          <p:nvPr>
+            <p:extLst>
+              <p:ext uri="{386F3935-93C4-4BCD-93E2-E3B085C9AB24}">
+                <p16:designElem xmlns:p16="http://schemas.microsoft.com/office/powerpoint/2015/main" val="1"/>
+              </p:ext>
+            </p:extLst>
+          </p:nvPr>
+        </p:nvSpPr>
+        <p:spPr>
+          <a:xfrm>
+            <a:off x="0" y="0"/>
+            <a:ext cx="12192000" cy="6858000"/>
+          </a:xfrm>
+          <a:prstGeom prst="rect">
+            <a:avLst/>
+          </a:prstGeom>
+          <a:ln>
+            <a:noFill/>
+          </a:ln>
+        </p:spPr>
+        <p:style>
+          <a:lnRef idx="2">
+            <a:schemeClr val="accent1">
+              <a:shade val="50000"/>
+            </a:schemeClr>
+          </a:lnRef>
+          <a:fillRef idx="1">
+            <a:schemeClr val="accent1"/>
+          </a:fillRef>
+          <a:effectRef idx="0">
+            <a:schemeClr val="accent1"/>
+          </a:effectRef>
+          <a:fontRef idx="minor">
+            <a:schemeClr val="lt1"/>
+          </a:fontRef>
+        </p:style>
+        <p:txBody>
+          <a:bodyPr rtlCol="0" anchor="ctr"/>
           <a:lstStyle/>
           <a:p>
-            <a:endParaRPr lang="nl-BE"/>
+            <a:pPr algn="ctr"/>
+            <a:endParaRPr lang="en-US"/>
+          </a:p>
+        </p:txBody>
+      </p:sp>
+      <p:pic>
+        <p:nvPicPr>
+          <p:cNvPr id="4" name="Afbeelding 3">
+            <a:extLst>
+              <a:ext uri="{FF2B5EF4-FFF2-40B4-BE49-F238E27FC236}">
+                <a16:creationId xmlns:a16="http://schemas.microsoft.com/office/drawing/2014/main" id="{3A06405D-E35D-4844-A742-291B5595EA02}"/>
+              </a:ext>
+            </a:extLst>
+          </p:cNvPr>
+          <p:cNvPicPr>
+            <a:picLocks noChangeAspect="1"/>
+          </p:cNvPicPr>
+          <p:nvPr/>
+        </p:nvPicPr>
+        <p:blipFill rotWithShape="1">
+          <a:blip r:embed="rId2">
+            <a:alphaModFix amt="40000"/>
+            <a:extLst/>
+          </a:blip>
+          <a:srcRect t="4589" b="31671"/>
+          <a:stretch/>
+        </p:blipFill>
+        <p:spPr>
+          <a:xfrm>
+            <a:off x="20" y="10"/>
+            <a:ext cx="12191980" cy="6857990"/>
+          </a:xfrm>
+          <a:prstGeom prst="rect">
+            <a:avLst/>
+          </a:prstGeom>
+        </p:spPr>
+      </p:pic>
+      <p:sp>
+        <p:nvSpPr>
+          <p:cNvPr id="2" name="Tekstvak 1">
+            <a:extLst>
+              <a:ext uri="{FF2B5EF4-FFF2-40B4-BE49-F238E27FC236}">
+                <a16:creationId xmlns:a16="http://schemas.microsoft.com/office/drawing/2014/main" id="{72350263-0AC0-41F2-A75C-721E349DE35B}"/>
+              </a:ext>
+            </a:extLst>
+          </p:cNvPr>
+          <p:cNvSpPr txBox="1"/>
+          <p:nvPr/>
+        </p:nvSpPr>
+        <p:spPr>
+          <a:xfrm>
+            <a:off x="810001" y="1449147"/>
+            <a:ext cx="10572000" cy="3732453"/>
+          </a:xfrm>
+          <a:prstGeom prst="rect">
+            <a:avLst/>
+          </a:prstGeom>
+        </p:spPr>
+        <p:txBody>
+          <a:bodyPr vert="horz" lIns="91440" tIns="45720" rIns="91440" bIns="45720" rtlCol="0" anchor="b">
+            <a:normAutofit/>
+          </a:bodyPr>
+          <a:lstStyle/>
+          <a:p>
+            <a:pPr>
+              <a:spcBef>
+                <a:spcPct val="0"/>
+              </a:spcBef>
+              <a:spcAft>
+                <a:spcPts val="600"/>
+              </a:spcAft>
+            </a:pPr>
+            <a:r>
+              <a:rPr lang="en-US" sz="5400" b="1" dirty="0">
+                <a:latin typeface="+mj-lt"/>
+                <a:ea typeface="+mj-ea"/>
+                <a:cs typeface="+mj-cs"/>
+                <a:hlinkClick r:id="rId3">
+                  <a:extLst>
+                    <a:ext uri="{A12FA001-AC4F-418D-AE19-62706E023703}">
+                      <ahyp:hlinkClr xmlns:ahyp="http://schemas.microsoft.com/office/drawing/2018/hyperlinkcolor" val="tx"/>
+                    </a:ext>
+                  </a:extLst>
+                </a:hlinkClick>
+              </a:rPr>
+              <a:t>Website</a:t>
+            </a:r>
+            <a:endParaRPr lang="en-US" sz="5400" b="1" dirty="0">
+              <a:latin typeface="+mj-lt"/>
+              <a:ea typeface="+mj-ea"/>
+              <a:cs typeface="+mj-cs"/>
+            </a:endParaRPr>
           </a:p>
         </p:txBody>
       </p:sp>
     </p:spTree>
     <p:extLst>
       <p:ext uri="{BB962C8B-B14F-4D97-AF65-F5344CB8AC3E}">
-        <p14:creationId xmlns:p14="http://schemas.microsoft.com/office/powerpoint/2010/main" val="954564707"/>
-      </p:ext>
-    </p:extLst>
-  </p:cSld>
-  <p:clrMapOvr>
-    <a:masterClrMapping/>
-  </p:clrMapOvr>
-</p:sld>
-</file>
-
-<file path=ppt/slides/slide8.xml><?xml version="1.0" encoding="utf-8"?>
-<p:sld xmlns:a="http://schemas.openxmlformats.org/drawingml/2006/main" xmlns:r="http://schemas.openxmlformats.org/officeDocument/2006/relationships" xmlns:p="http://schemas.openxmlformats.org/presentationml/2006/main">
-  <p:cSld>
-    <p:spTree>
-      <p:nvGrpSpPr>
-        <p:cNvPr id="1" name=""/>
-        <p:cNvGrpSpPr/>
-        <p:nvPr/>
-      </p:nvGrpSpPr>
-      <p:grpSpPr>
-        <a:xfrm>
-          <a:off x="0" y="0"/>
-          <a:ext cx="0" cy="0"/>
-          <a:chOff x="0" y="0"/>
-          <a:chExt cx="0" cy="0"/>
-        </a:xfrm>
-      </p:grpSpPr>
-      <p:sp>
-        <p:nvSpPr>
-          <p:cNvPr id="2" name="Titel 1">
-            <a:extLst>
-              <a:ext uri="{FF2B5EF4-FFF2-40B4-BE49-F238E27FC236}">
-                <a16:creationId xmlns:a16="http://schemas.microsoft.com/office/drawing/2014/main" id="{3E112AB5-2373-4A39-A1EE-18C821A33EDA}"/>
-              </a:ext>
-            </a:extLst>
-          </p:cNvPr>
-          <p:cNvSpPr>
-            <a:spLocks noGrp="1"/>
-          </p:cNvSpPr>
-          <p:nvPr>
-            <p:ph type="title"/>
-          </p:nvPr>
-        </p:nvSpPr>
-        <p:spPr/>
-        <p:txBody>
-          <a:bodyPr/>
-          <a:lstStyle/>
-          <a:p>
-            <a:r>
-              <a:rPr lang="nl-BE" dirty="0"/>
-              <a:t>Team </a:t>
-            </a:r>
-            <a:r>
-              <a:rPr lang="nl-BE" dirty="0" err="1"/>
-              <a:t>velocity</a:t>
-            </a:r>
-            <a:endParaRPr lang="nl-BE" dirty="0"/>
-          </a:p>
-        </p:txBody>
-      </p:sp>
-      <p:sp>
-        <p:nvSpPr>
-          <p:cNvPr id="3" name="Tijdelijke aanduiding voor inhoud 2">
-            <a:extLst>
-              <a:ext uri="{FF2B5EF4-FFF2-40B4-BE49-F238E27FC236}">
-                <a16:creationId xmlns:a16="http://schemas.microsoft.com/office/drawing/2014/main" id="{52CBD6FA-CB4B-4E26-8552-36E063BB5FE6}"/>
-              </a:ext>
-            </a:extLst>
-          </p:cNvPr>
-          <p:cNvSpPr>
-            <a:spLocks noGrp="1"/>
-          </p:cNvSpPr>
-          <p:nvPr>
-            <p:ph idx="1"/>
-          </p:nvPr>
-        </p:nvSpPr>
-        <p:spPr/>
-        <p:txBody>
-          <a:bodyPr/>
-          <a:lstStyle/>
-          <a:p>
-            <a:endParaRPr lang="nl-BE"/>
-          </a:p>
-        </p:txBody>
-      </p:sp>
-    </p:spTree>
-    <p:extLst>
-      <p:ext uri="{BB962C8B-B14F-4D97-AF65-F5344CB8AC3E}">
-        <p14:creationId xmlns:p14="http://schemas.microsoft.com/office/powerpoint/2010/main" val="3219167535"/>
-      </p:ext>
-    </p:extLst>
-  </p:cSld>
-  <p:clrMapOvr>
-    <a:masterClrMapping/>
-  </p:clrMapOvr>
-</p:sld>
-</file>
-
-<file path=ppt/slides/slide9.xml><?xml version="1.0" encoding="utf-8"?>
-<p:sld xmlns:a="http://schemas.openxmlformats.org/drawingml/2006/main" xmlns:r="http://schemas.openxmlformats.org/officeDocument/2006/relationships" xmlns:p="http://schemas.openxmlformats.org/presentationml/2006/main">
-  <p:cSld>
-    <p:spTree>
-      <p:nvGrpSpPr>
-        <p:cNvPr id="1" name=""/>
-        <p:cNvGrpSpPr/>
-        <p:nvPr/>
-      </p:nvGrpSpPr>
-      <p:grpSpPr>
-        <a:xfrm>
-          <a:off x="0" y="0"/>
-          <a:ext cx="0" cy="0"/>
-          <a:chOff x="0" y="0"/>
-          <a:chExt cx="0" cy="0"/>
-        </a:xfrm>
-      </p:grpSpPr>
-      <p:sp>
-        <p:nvSpPr>
-          <p:cNvPr id="2" name="Titel 1">
-            <a:extLst>
-              <a:ext uri="{FF2B5EF4-FFF2-40B4-BE49-F238E27FC236}">
-                <a16:creationId xmlns:a16="http://schemas.microsoft.com/office/drawing/2014/main" id="{B88A2D70-8290-43DC-8362-35A764502C98}"/>
-              </a:ext>
-            </a:extLst>
-          </p:cNvPr>
-          <p:cNvSpPr>
-            <a:spLocks noGrp="1"/>
-          </p:cNvSpPr>
-          <p:nvPr>
-            <p:ph type="title"/>
-          </p:nvPr>
-        </p:nvSpPr>
-        <p:spPr/>
-        <p:txBody>
-          <a:bodyPr/>
-          <a:lstStyle/>
-          <a:p>
-            <a:r>
-              <a:rPr lang="nl-BE" dirty="0"/>
-              <a:t>website</a:t>
-            </a:r>
-          </a:p>
-        </p:txBody>
-      </p:sp>
-      <p:sp>
-        <p:nvSpPr>
-          <p:cNvPr id="3" name="Tijdelijke aanduiding voor inhoud 2">
-            <a:extLst>
-              <a:ext uri="{FF2B5EF4-FFF2-40B4-BE49-F238E27FC236}">
-                <a16:creationId xmlns:a16="http://schemas.microsoft.com/office/drawing/2014/main" id="{BD34EA80-0BDF-41C2-B7BF-FE19AD84718F}"/>
-              </a:ext>
-            </a:extLst>
-          </p:cNvPr>
-          <p:cNvSpPr>
-            <a:spLocks noGrp="1"/>
-          </p:cNvSpPr>
-          <p:nvPr>
-            <p:ph idx="1"/>
-          </p:nvPr>
-        </p:nvSpPr>
-        <p:spPr/>
-        <p:txBody>
-          <a:bodyPr/>
-          <a:lstStyle/>
-          <a:p>
-            <a:endParaRPr lang="nl-BE"/>
-          </a:p>
-        </p:txBody>
-      </p:sp>
-    </p:spTree>
-    <p:extLst>
-      <p:ext uri="{BB962C8B-B14F-4D97-AF65-F5344CB8AC3E}">
-        <p14:creationId xmlns:p14="http://schemas.microsoft.com/office/powerpoint/2010/main" val="20768328"/>
+        <p14:creationId xmlns:p14="http://schemas.microsoft.com/office/powerpoint/2010/main" val="3015061311"/>
       </p:ext>
     </p:extLst>
   </p:cSld>

--- a/doc/Presentaties/DigilenderSprint1.pptx
+++ b/doc/Presentaties/DigilenderSprint1.pptx
@@ -213,7 +213,7 @@
           <a:effectLst/>
           <a:extLst>
             <a:ext uri="{91240B29-F687-4f45-9708-019B960494DF}">
-              <a14:hiddenLine xmlns:a14="http://schemas.microsoft.com/office/drawing/2010/main" xmlns="" w="9525">
+              <a14:hiddenLine xmlns="" xmlns:a14="http://schemas.microsoft.com/office/drawing/2010/main" w="9525">
                 <a:solidFill>
                   <a:srgbClr val="000000"/>
                 </a:solidFill>
@@ -406,7 +406,7 @@
             <a:fld id="{5586B75A-687E-405C-8A0B-8D00578BA2C3}" type="datetimeFigureOut">
               <a:rPr lang="en-US" smtClean="0"/>
               <a:pPr/>
-              <a:t>11/6/2018</a:t>
+              <a:t>11/7/2018</a:t>
             </a:fld>
             <a:endParaRPr lang="en-US" dirty="0"/>
           </a:p>
@@ -726,7 +726,7 @@
             <a:fld id="{5586B75A-687E-405C-8A0B-8D00578BA2C3}" type="datetimeFigureOut">
               <a:rPr lang="en-US" smtClean="0"/>
               <a:pPr/>
-              <a:t>11/6/2018</a:t>
+              <a:t>11/7/2018</a:t>
             </a:fld>
             <a:endParaRPr lang="en-US" dirty="0"/>
           </a:p>
@@ -1217,7 +1217,7 @@
             <a:fld id="{5586B75A-687E-405C-8A0B-8D00578BA2C3}" type="datetimeFigureOut">
               <a:rPr lang="en-US" smtClean="0"/>
               <a:pPr/>
-              <a:t>11/6/2018</a:t>
+              <a:t>11/7/2018</a:t>
             </a:fld>
             <a:endParaRPr lang="en-US" dirty="0"/>
           </a:p>
@@ -1589,7 +1589,7 @@
             <a:fld id="{5586B75A-687E-405C-8A0B-8D00578BA2C3}" type="datetimeFigureOut">
               <a:rPr lang="en-US" smtClean="0"/>
               <a:pPr/>
-              <a:t>11/6/2018</a:t>
+              <a:t>11/7/2018</a:t>
             </a:fld>
             <a:endParaRPr lang="en-US" dirty="0"/>
           </a:p>
@@ -1746,7 +1746,7 @@
           <a:ln/>
           <a:extLst>
             <a:ext uri="{91240B29-F687-4f45-9708-019B960494DF}">
-              <a14:hiddenLine xmlns:a14="http://schemas.microsoft.com/office/drawing/2010/main" xmlns="" w="9525">
+              <a14:hiddenLine xmlns="" xmlns:a14="http://schemas.microsoft.com/office/drawing/2010/main" w="9525">
                 <a:solidFill>
                   <a:srgbClr val="000000"/>
                 </a:solidFill>
@@ -1865,7 +1865,7 @@
             <a:fld id="{5586B75A-687E-405C-8A0B-8D00578BA2C3}" type="datetimeFigureOut">
               <a:rPr lang="en-US" smtClean="0"/>
               <a:pPr/>
-              <a:t>11/6/2018</a:t>
+              <a:t>11/7/2018</a:t>
             </a:fld>
             <a:endParaRPr lang="en-US" dirty="0"/>
           </a:p>
@@ -2023,7 +2023,7 @@
           <a:ln/>
           <a:extLst>
             <a:ext uri="{91240B29-F687-4f45-9708-019B960494DF}">
-              <a14:hiddenLine xmlns:a14="http://schemas.microsoft.com/office/drawing/2010/main" xmlns="" w="9525">
+              <a14:hiddenLine xmlns="" xmlns:a14="http://schemas.microsoft.com/office/drawing/2010/main" w="9525">
                 <a:solidFill>
                   <a:srgbClr val="000000"/>
                 </a:solidFill>
@@ -2152,7 +2152,7 @@
             <a:fld id="{5586B75A-687E-405C-8A0B-8D00578BA2C3}" type="datetimeFigureOut">
               <a:rPr lang="en-US" smtClean="0"/>
               <a:pPr/>
-              <a:t>11/6/2018</a:t>
+              <a:t>11/7/2018</a:t>
             </a:fld>
             <a:endParaRPr lang="en-US" dirty="0"/>
           </a:p>
@@ -2308,7 +2308,7 @@
           <a:ln/>
           <a:extLst>
             <a:ext uri="{91240B29-F687-4f45-9708-019B960494DF}">
-              <a14:hiddenLine xmlns:a14="http://schemas.microsoft.com/office/drawing/2010/main" xmlns="" w="9525">
+              <a14:hiddenLine xmlns="" xmlns:a14="http://schemas.microsoft.com/office/drawing/2010/main" w="9525">
                 <a:solidFill>
                   <a:srgbClr val="000000"/>
                 </a:solidFill>
@@ -2437,7 +2437,7 @@
             <a:fld id="{5586B75A-687E-405C-8A0B-8D00578BA2C3}" type="datetimeFigureOut">
               <a:rPr lang="en-US" smtClean="0"/>
               <a:pPr/>
-              <a:t>11/6/2018</a:t>
+              <a:t>11/7/2018</a:t>
             </a:fld>
             <a:endParaRPr lang="en-US" dirty="0"/>
           </a:p>
@@ -2782,7 +2782,7 @@
             <a:fld id="{5586B75A-687E-405C-8A0B-8D00578BA2C3}" type="datetimeFigureOut">
               <a:rPr lang="en-US" smtClean="0"/>
               <a:pPr/>
-              <a:t>11/6/2018</a:t>
+              <a:t>11/7/2018</a:t>
             </a:fld>
             <a:endParaRPr lang="en-US" dirty="0"/>
           </a:p>
@@ -2938,7 +2938,7 @@
           <a:ln/>
           <a:extLst>
             <a:ext uri="{91240B29-F687-4f45-9708-019B960494DF}">
-              <a14:hiddenLine xmlns:a14="http://schemas.microsoft.com/office/drawing/2010/main" xmlns="" w="9525">
+              <a14:hiddenLine xmlns="" xmlns:a14="http://schemas.microsoft.com/office/drawing/2010/main" w="9525">
                 <a:solidFill>
                   <a:srgbClr val="000000"/>
                 </a:solidFill>
@@ -3123,7 +3123,7 @@
             <a:fld id="{5586B75A-687E-405C-8A0B-8D00578BA2C3}" type="datetimeFigureOut">
               <a:rPr lang="en-US" smtClean="0"/>
               <a:pPr/>
-              <a:t>11/6/2018</a:t>
+              <a:t>11/7/2018</a:t>
             </a:fld>
             <a:endParaRPr lang="en-US" dirty="0"/>
           </a:p>
@@ -3279,7 +3279,7 @@
           <a:ln/>
           <a:extLst>
             <a:ext uri="{91240B29-F687-4f45-9708-019B960494DF}">
-              <a14:hiddenLine xmlns:a14="http://schemas.microsoft.com/office/drawing/2010/main" xmlns="" w="9525">
+              <a14:hiddenLine xmlns="" xmlns:a14="http://schemas.microsoft.com/office/drawing/2010/main" w="9525">
                 <a:solidFill>
                   <a:srgbClr val="000000"/>
                 </a:solidFill>
@@ -3602,7 +3602,7 @@
             <a:fld id="{5586B75A-687E-405C-8A0B-8D00578BA2C3}" type="datetimeFigureOut">
               <a:rPr lang="en-US" smtClean="0"/>
               <a:pPr/>
-              <a:t>11/6/2018</a:t>
+              <a:t>11/7/2018</a:t>
             </a:fld>
             <a:endParaRPr lang="en-US" dirty="0"/>
           </a:p>
@@ -3758,7 +3758,7 @@
           <a:ln/>
           <a:extLst>
             <a:ext uri="{91240B29-F687-4f45-9708-019B960494DF}">
-              <a14:hiddenLine xmlns:a14="http://schemas.microsoft.com/office/drawing/2010/main" xmlns="" w="9525">
+              <a14:hiddenLine xmlns="" xmlns:a14="http://schemas.microsoft.com/office/drawing/2010/main" w="9525">
                 <a:solidFill>
                   <a:srgbClr val="000000"/>
                 </a:solidFill>
@@ -3825,7 +3825,7 @@
             <a:fld id="{5586B75A-687E-405C-8A0B-8D00578BA2C3}" type="datetimeFigureOut">
               <a:rPr lang="en-US" smtClean="0"/>
               <a:pPr/>
-              <a:t>11/6/2018</a:t>
+              <a:t>11/7/2018</a:t>
             </a:fld>
             <a:endParaRPr lang="en-US" dirty="0"/>
           </a:p>
@@ -3922,7 +3922,7 @@
             <a:fld id="{5586B75A-687E-405C-8A0B-8D00578BA2C3}" type="datetimeFigureOut">
               <a:rPr lang="en-US" smtClean="0"/>
               <a:pPr/>
-              <a:t>11/6/2018</a:t>
+              <a:t>11/7/2018</a:t>
             </a:fld>
             <a:endParaRPr lang="en-US" dirty="0"/>
           </a:p>
@@ -4191,7 +4191,7 @@
           <a:ln/>
           <a:extLst>
             <a:ext uri="{91240B29-F687-4f45-9708-019B960494DF}">
-              <a14:hiddenLine xmlns:a14="http://schemas.microsoft.com/office/drawing/2010/main" xmlns="" w="9525">
+              <a14:hiddenLine xmlns="" xmlns:a14="http://schemas.microsoft.com/office/drawing/2010/main" w="9525">
                 <a:solidFill>
                   <a:srgbClr val="000000"/>
                 </a:solidFill>
@@ -4391,7 +4391,7 @@
             <a:fld id="{5586B75A-687E-405C-8A0B-8D00578BA2C3}" type="datetimeFigureOut">
               <a:rPr lang="en-US" smtClean="0"/>
               <a:pPr/>
-              <a:t>11/6/2018</a:t>
+              <a:t>11/7/2018</a:t>
             </a:fld>
             <a:endParaRPr lang="en-US" dirty="0"/>
           </a:p>
@@ -4706,7 +4706,7 @@
             <a:fld id="{5586B75A-687E-405C-8A0B-8D00578BA2C3}" type="datetimeFigureOut">
               <a:rPr lang="en-US" smtClean="0"/>
               <a:pPr/>
-              <a:t>11/6/2018</a:t>
+              <a:t>11/7/2018</a:t>
             </a:fld>
             <a:endParaRPr lang="en-US" dirty="0"/>
           </a:p>
@@ -4979,7 +4979,7 @@
             <a:fld id="{5586B75A-687E-405C-8A0B-8D00578BA2C3}" type="datetimeFigureOut">
               <a:rPr lang="en-US" smtClean="0"/>
               <a:pPr/>
-              <a:t>11/6/2018</a:t>
+              <a:t>11/7/2018</a:t>
             </a:fld>
             <a:endParaRPr lang="en-US" dirty="0"/>
           </a:p>
@@ -5697,7 +5697,7 @@
           <a:effectLst/>
           <a:extLst>
             <a:ext uri="{91240B29-F687-4f45-9708-019B960494DF}">
-              <a14:hiddenLine xmlns="" xmlns:a16="http://schemas.microsoft.com/office/drawing/2014/main" xmlns:p14="http://schemas.microsoft.com/office/powerpoint/2010/main" xmlns:a14="http://schemas.microsoft.com/office/drawing/2010/main" w="9525">
+              <a14:hiddenLine xmlns:a14="http://schemas.microsoft.com/office/drawing/2010/main" xmlns:p14="http://schemas.microsoft.com/office/powerpoint/2010/main" xmlns:a16="http://schemas.microsoft.com/office/drawing/2014/main" xmlns="" w="9525">
                 <a:solidFill>
                   <a:srgbClr val="000000"/>
                 </a:solidFill>
@@ -5999,7 +5999,7 @@
           <a:ln/>
           <a:extLst>
             <a:ext uri="{91240B29-F687-4f45-9708-019B960494DF}">
-              <a14:hiddenLine xmlns="" xmlns:a16="http://schemas.microsoft.com/office/drawing/2014/main" xmlns:a14="http://schemas.microsoft.com/office/drawing/2010/main" xmlns:p14="http://schemas.microsoft.com/office/powerpoint/2010/main" w="9525">
+              <a14:hiddenLine xmlns:p14="http://schemas.microsoft.com/office/powerpoint/2010/main" xmlns:a14="http://schemas.microsoft.com/office/drawing/2010/main" xmlns:a16="http://schemas.microsoft.com/office/drawing/2014/main" xmlns="" w="9525">
                 <a:solidFill>
                   <a:srgbClr val="000000"/>
                 </a:solidFill>
@@ -7103,7 +7103,7 @@
                 <a:hlinkClick r:id="rId2">
                   <a:extLst>
                     <a:ext uri="{A12FA001-AC4F-418D-AE19-62706E023703}">
-                      <ahyp:hlinkClr xmlns:ahyp="http://schemas.microsoft.com/office/drawing/2018/hyperlinkcolor" val="tx"/>
+                      <ahyp:hlinkClr xmlns:ahyp="http://schemas.microsoft.com/office/drawing/2018/hyperlinkcolor" xmlns="" val="tx"/>
                     </a:ext>
                   </a:extLst>
                 </a:hlinkClick>
@@ -7118,6 +7118,36 @@
           </a:p>
         </p:txBody>
       </p:sp>
+      <p:pic>
+        <p:nvPicPr>
+          <p:cNvPr id="3" name="Afbeelding 2">
+            <a:extLst>
+              <a:ext uri="{FF2B5EF4-FFF2-40B4-BE49-F238E27FC236}">
+                <a16:creationId xmlns:a16="http://schemas.microsoft.com/office/drawing/2014/main" id="{E5985662-20A4-47AD-B5BE-7D6E8AC307DC}"/>
+              </a:ext>
+            </a:extLst>
+          </p:cNvPr>
+          <p:cNvPicPr>
+            <a:picLocks noChangeAspect="1"/>
+          </p:cNvPicPr>
+          <p:nvPr/>
+        </p:nvPicPr>
+        <p:blipFill>
+          <a:blip r:embed="rId3"/>
+          <a:stretch>
+            <a:fillRect/>
+          </a:stretch>
+        </p:blipFill>
+        <p:spPr>
+          <a:xfrm>
+            <a:off x="942109" y="2476150"/>
+            <a:ext cx="10307782" cy="3507422"/>
+          </a:xfrm>
+          <a:prstGeom prst="rect">
+            <a:avLst/>
+          </a:prstGeom>
+        </p:spPr>
+      </p:pic>
     </p:spTree>
     <p:extLst>
       <p:ext uri="{BB962C8B-B14F-4D97-AF65-F5344CB8AC3E}">
@@ -7254,7 +7284,7 @@
           <a:effectLst/>
           <a:extLst>
             <a:ext uri="{91240B29-F687-4f45-9708-019B960494DF}">
-              <a14:hiddenLine xmlns="" xmlns:a16="http://schemas.microsoft.com/office/drawing/2014/main" xmlns:p14="http://schemas.microsoft.com/office/powerpoint/2010/main" xmlns:a14="http://schemas.microsoft.com/office/drawing/2010/main" w="9525">
+              <a14:hiddenLine xmlns:a14="http://schemas.microsoft.com/office/drawing/2010/main" xmlns:p14="http://schemas.microsoft.com/office/powerpoint/2010/main" xmlns:a16="http://schemas.microsoft.com/office/drawing/2014/main" xmlns="" w="9525">
                 <a:solidFill>
                   <a:srgbClr val="000000"/>
                 </a:solidFill>
@@ -7415,7 +7445,7 @@
                 <a:hlinkClick r:id="rId3">
                   <a:extLst>
                     <a:ext uri="{A12FA001-AC4F-418D-AE19-62706E023703}">
-                      <ahyp:hlinkClr xmlns:ahyp="http://schemas.microsoft.com/office/drawing/2018/hyperlinkcolor" val="tx"/>
+                      <ahyp:hlinkClr xmlns:ahyp="http://schemas.microsoft.com/office/drawing/2018/hyperlinkcolor" xmlns="" val="tx"/>
                     </a:ext>
                   </a:extLst>
                 </a:hlinkClick>

--- a/doc/Presentaties/DigilenderSprint1.pptx
+++ b/doc/Presentaties/DigilenderSprint1.pptx
@@ -213,7 +213,7 @@
           <a:effectLst/>
           <a:extLst>
             <a:ext uri="{91240B29-F687-4f45-9708-019B960494DF}">
-              <a14:hiddenLine xmlns="" xmlns:a14="http://schemas.microsoft.com/office/drawing/2010/main" w="9525">
+              <a14:hiddenLine xmlns:a14="http://schemas.microsoft.com/office/drawing/2010/main" xmlns="" w="9525">
                 <a:solidFill>
                   <a:srgbClr val="000000"/>
                 </a:solidFill>
@@ -1746,7 +1746,7 @@
           <a:ln/>
           <a:extLst>
             <a:ext uri="{91240B29-F687-4f45-9708-019B960494DF}">
-              <a14:hiddenLine xmlns="" xmlns:a14="http://schemas.microsoft.com/office/drawing/2010/main" w="9525">
+              <a14:hiddenLine xmlns:a14="http://schemas.microsoft.com/office/drawing/2010/main" xmlns="" w="9525">
                 <a:solidFill>
                   <a:srgbClr val="000000"/>
                 </a:solidFill>
@@ -2023,7 +2023,7 @@
           <a:ln/>
           <a:extLst>
             <a:ext uri="{91240B29-F687-4f45-9708-019B960494DF}">
-              <a14:hiddenLine xmlns="" xmlns:a14="http://schemas.microsoft.com/office/drawing/2010/main" w="9525">
+              <a14:hiddenLine xmlns:a14="http://schemas.microsoft.com/office/drawing/2010/main" xmlns="" w="9525">
                 <a:solidFill>
                   <a:srgbClr val="000000"/>
                 </a:solidFill>
@@ -2308,7 +2308,7 @@
           <a:ln/>
           <a:extLst>
             <a:ext uri="{91240B29-F687-4f45-9708-019B960494DF}">
-              <a14:hiddenLine xmlns="" xmlns:a14="http://schemas.microsoft.com/office/drawing/2010/main" w="9525">
+              <a14:hiddenLine xmlns:a14="http://schemas.microsoft.com/office/drawing/2010/main" xmlns="" w="9525">
                 <a:solidFill>
                   <a:srgbClr val="000000"/>
                 </a:solidFill>
@@ -2938,7 +2938,7 @@
           <a:ln/>
           <a:extLst>
             <a:ext uri="{91240B29-F687-4f45-9708-019B960494DF}">
-              <a14:hiddenLine xmlns="" xmlns:a14="http://schemas.microsoft.com/office/drawing/2010/main" w="9525">
+              <a14:hiddenLine xmlns:a14="http://schemas.microsoft.com/office/drawing/2010/main" xmlns="" w="9525">
                 <a:solidFill>
                   <a:srgbClr val="000000"/>
                 </a:solidFill>
@@ -3279,7 +3279,7 @@
           <a:ln/>
           <a:extLst>
             <a:ext uri="{91240B29-F687-4f45-9708-019B960494DF}">
-              <a14:hiddenLine xmlns="" xmlns:a14="http://schemas.microsoft.com/office/drawing/2010/main" w="9525">
+              <a14:hiddenLine xmlns:a14="http://schemas.microsoft.com/office/drawing/2010/main" xmlns="" w="9525">
                 <a:solidFill>
                   <a:srgbClr val="000000"/>
                 </a:solidFill>
@@ -3758,7 +3758,7 @@
           <a:ln/>
           <a:extLst>
             <a:ext uri="{91240B29-F687-4f45-9708-019B960494DF}">
-              <a14:hiddenLine xmlns="" xmlns:a14="http://schemas.microsoft.com/office/drawing/2010/main" w="9525">
+              <a14:hiddenLine xmlns:a14="http://schemas.microsoft.com/office/drawing/2010/main" xmlns="" w="9525">
                 <a:solidFill>
                   <a:srgbClr val="000000"/>
                 </a:solidFill>
@@ -4191,7 +4191,7 @@
           <a:ln/>
           <a:extLst>
             <a:ext uri="{91240B29-F687-4f45-9708-019B960494DF}">
-              <a14:hiddenLine xmlns="" xmlns:a14="http://schemas.microsoft.com/office/drawing/2010/main" w="9525">
+              <a14:hiddenLine xmlns:a14="http://schemas.microsoft.com/office/drawing/2010/main" xmlns="" w="9525">
                 <a:solidFill>
                   <a:srgbClr val="000000"/>
                 </a:solidFill>
@@ -5524,7 +5524,7 @@
                   <a:schemeClr val="bg1"/>
                 </a:solidFill>
               </a:rPr>
-              <a:t> Declercq, Joeri Temmerman, Mohammed </a:t>
+              <a:t> De Clercq, Joeri Temmerman, Mohammed </a:t>
             </a:r>
             <a:r>
               <a:rPr lang="nl-BE" dirty="0" err="1">
@@ -5697,7 +5697,7 @@
           <a:effectLst/>
           <a:extLst>
             <a:ext uri="{91240B29-F687-4f45-9708-019B960494DF}">
-              <a14:hiddenLine xmlns:a14="http://schemas.microsoft.com/office/drawing/2010/main" xmlns:p14="http://schemas.microsoft.com/office/powerpoint/2010/main" xmlns:a16="http://schemas.microsoft.com/office/drawing/2014/main" xmlns="" w="9525">
+              <a14:hiddenLine xmlns="" xmlns:a16="http://schemas.microsoft.com/office/drawing/2014/main" xmlns:p14="http://schemas.microsoft.com/office/powerpoint/2010/main" xmlns:a14="http://schemas.microsoft.com/office/drawing/2010/main" w="9525">
                 <a:solidFill>
                   <a:srgbClr val="000000"/>
                 </a:solidFill>
@@ -5999,7 +5999,7 @@
           <a:ln/>
           <a:extLst>
             <a:ext uri="{91240B29-F687-4f45-9708-019B960494DF}">
-              <a14:hiddenLine xmlns:p14="http://schemas.microsoft.com/office/powerpoint/2010/main" xmlns:a14="http://schemas.microsoft.com/office/drawing/2010/main" xmlns:a16="http://schemas.microsoft.com/office/drawing/2014/main" xmlns="" w="9525">
+              <a14:hiddenLine xmlns="" xmlns:a16="http://schemas.microsoft.com/office/drawing/2014/main" xmlns:a14="http://schemas.microsoft.com/office/drawing/2010/main" xmlns:p14="http://schemas.microsoft.com/office/powerpoint/2010/main" w="9525">
                 <a:solidFill>
                   <a:srgbClr val="000000"/>
                 </a:solidFill>
@@ -7103,7 +7103,7 @@
                 <a:hlinkClick r:id="rId2">
                   <a:extLst>
                     <a:ext uri="{A12FA001-AC4F-418D-AE19-62706E023703}">
-                      <ahyp:hlinkClr xmlns:ahyp="http://schemas.microsoft.com/office/drawing/2018/hyperlinkcolor" xmlns="" val="tx"/>
+                      <ahyp:hlinkClr xmlns:ahyp="http://schemas.microsoft.com/office/drawing/2018/hyperlinkcolor" val="tx"/>
                     </a:ext>
                   </a:extLst>
                 </a:hlinkClick>
@@ -7284,7 +7284,7 @@
           <a:effectLst/>
           <a:extLst>
             <a:ext uri="{91240B29-F687-4f45-9708-019B960494DF}">
-              <a14:hiddenLine xmlns:a14="http://schemas.microsoft.com/office/drawing/2010/main" xmlns:p14="http://schemas.microsoft.com/office/powerpoint/2010/main" xmlns:a16="http://schemas.microsoft.com/office/drawing/2014/main" xmlns="" w="9525">
+              <a14:hiddenLine xmlns="" xmlns:a16="http://schemas.microsoft.com/office/drawing/2014/main" xmlns:p14="http://schemas.microsoft.com/office/powerpoint/2010/main" xmlns:a14="http://schemas.microsoft.com/office/drawing/2010/main" w="9525">
                 <a:solidFill>
                   <a:srgbClr val="000000"/>
                 </a:solidFill>
@@ -7445,7 +7445,7 @@
                 <a:hlinkClick r:id="rId3">
                   <a:extLst>
                     <a:ext uri="{A12FA001-AC4F-418D-AE19-62706E023703}">
-                      <ahyp:hlinkClr xmlns:ahyp="http://schemas.microsoft.com/office/drawing/2018/hyperlinkcolor" xmlns="" val="tx"/>
+                      <ahyp:hlinkClr xmlns:ahyp="http://schemas.microsoft.com/office/drawing/2018/hyperlinkcolor" val="tx"/>
                     </a:ext>
                   </a:extLst>
                 </a:hlinkClick>
